--- a/CSCE658-S24/L3.pptx
+++ b/CSCE658-S24/L3.pptx
@@ -26023,8 +26023,8 @@
           </a:p>
         </p:txBody>
       </p:sp>
-      <mc:AlternateContent xmlns:mc="http://schemas.openxmlformats.org/markup-compatibility/2006" xmlns:a14="http://schemas.microsoft.com/office/drawing/2010/main">
-        <mc:Choice Requires="a14">
+      <mc:AlternateContent xmlns:mc="http://schemas.openxmlformats.org/markup-compatibility/2006">
+        <mc:Choice xmlns:a14="http://schemas.microsoft.com/office/drawing/2010/main" Requires="a14">
           <p:sp>
             <p:nvSpPr>
               <p:cNvPr id="3" name="Content Placeholder 2">
@@ -26070,7 +26070,49 @@
                 </a14:m>
                 <a:r>
                   <a:rPr lang="en-US" dirty="0"/>
-                  <a:t>-sided die. “On average”, how many times should we roll the die before we see a repeated outcome among the rolls? Example: </a:t>
+                  <a:t>-sided die. How many times should we roll the die before the probability we see a repeated outcome among the rolls is at least </a:t>
+                </a:r>
+                <a14:m>
+                  <m:oMath xmlns:m="http://schemas.openxmlformats.org/officeDocument/2006/math">
+                    <m:f>
+                      <m:fPr>
+                        <m:ctrlPr>
+                          <a:rPr lang="en-US" b="0" i="0" dirty="0" smtClean="0">
+                            <a:solidFill>
+                              <a:srgbClr val="C00000"/>
+                            </a:solidFill>
+                            <a:latin typeface="Cambria Math" panose="02040503050406030204" pitchFamily="18" charset="0"/>
+                          </a:rPr>
+                        </m:ctrlPr>
+                      </m:fPr>
+                      <m:num>
+                        <m:r>
+                          <a:rPr lang="en-US" i="1" dirty="0">
+                            <a:solidFill>
+                              <a:srgbClr val="C00000"/>
+                            </a:solidFill>
+                            <a:latin typeface="Cambria Math" panose="02040503050406030204" pitchFamily="18" charset="0"/>
+                          </a:rPr>
+                          <m:t>1</m:t>
+                        </m:r>
+                      </m:num>
+                      <m:den>
+                        <m:r>
+                          <a:rPr lang="en-US" b="0" i="0" dirty="0" smtClean="0">
+                            <a:solidFill>
+                              <a:srgbClr val="C00000"/>
+                            </a:solidFill>
+                            <a:latin typeface="Cambria Math" panose="02040503050406030204" pitchFamily="18" charset="0"/>
+                          </a:rPr>
+                          <m:t>2</m:t>
+                        </m:r>
+                      </m:den>
+                    </m:f>
+                  </m:oMath>
+                </a14:m>
+                <a:r>
+                  <a:rPr lang="en-US" dirty="0"/>
+                  <a:t>? Example: </a:t>
                 </a:r>
                 <a14:m>
                   <m:oMath xmlns:m="http://schemas.openxmlformats.org/officeDocument/2006/math">
@@ -26406,7 +26448,7 @@
             </p:txBody>
           </p:sp>
         </mc:Choice>
-        <mc:Fallback xmlns="">
+        <mc:Fallback>
           <p:sp>
             <p:nvSpPr>
               <p:cNvPr id="3" name="Content Placeholder 2">
@@ -26427,7 +26469,7 @@
               <a:blipFill>
                 <a:blip r:embed="rId3"/>
                 <a:stretch>
-                  <a:fillRect l="-1043" t="-2241"/>
+                  <a:fillRect l="-1043" t="-2241" r="-580"/>
                 </a:stretch>
               </a:blipFill>
             </p:spPr>

--- a/CSCE658-S24/L3.pptx
+++ b/CSCE658-S24/L3.pptx
@@ -5,7 +5,7 @@
     <p:sldMasterId id="2147483648" r:id="rId1"/>
   </p:sldMasterIdLst>
   <p:notesMasterIdLst>
-    <p:notesMasterId r:id="rId45"/>
+    <p:notesMasterId r:id="rId46"/>
   </p:notesMasterIdLst>
   <p:sldIdLst>
     <p:sldId id="788" r:id="rId2"/>
@@ -20,37 +20,38 @@
     <p:sldId id="772" r:id="rId11"/>
     <p:sldId id="773" r:id="rId12"/>
     <p:sldId id="826" r:id="rId13"/>
-    <p:sldId id="776" r:id="rId14"/>
-    <p:sldId id="777" r:id="rId15"/>
-    <p:sldId id="785" r:id="rId16"/>
-    <p:sldId id="827" r:id="rId17"/>
-    <p:sldId id="828" r:id="rId18"/>
-    <p:sldId id="786" r:id="rId19"/>
-    <p:sldId id="806" r:id="rId20"/>
-    <p:sldId id="807" r:id="rId21"/>
-    <p:sldId id="808" r:id="rId22"/>
-    <p:sldId id="259" r:id="rId23"/>
-    <p:sldId id="760" r:id="rId24"/>
-    <p:sldId id="796" r:id="rId25"/>
-    <p:sldId id="797" r:id="rId26"/>
-    <p:sldId id="798" r:id="rId27"/>
-    <p:sldId id="795" r:id="rId28"/>
-    <p:sldId id="814" r:id="rId29"/>
-    <p:sldId id="815" r:id="rId30"/>
-    <p:sldId id="816" r:id="rId31"/>
-    <p:sldId id="817" r:id="rId32"/>
-    <p:sldId id="818" r:id="rId33"/>
-    <p:sldId id="822" r:id="rId34"/>
-    <p:sldId id="821" r:id="rId35"/>
-    <p:sldId id="823" r:id="rId36"/>
-    <p:sldId id="802" r:id="rId37"/>
-    <p:sldId id="805" r:id="rId38"/>
-    <p:sldId id="774" r:id="rId39"/>
-    <p:sldId id="800" r:id="rId40"/>
-    <p:sldId id="820" r:id="rId41"/>
-    <p:sldId id="819" r:id="rId42"/>
-    <p:sldId id="824" r:id="rId43"/>
-    <p:sldId id="825" r:id="rId44"/>
+    <p:sldId id="830" r:id="rId14"/>
+    <p:sldId id="776" r:id="rId15"/>
+    <p:sldId id="777" r:id="rId16"/>
+    <p:sldId id="785" r:id="rId17"/>
+    <p:sldId id="827" r:id="rId18"/>
+    <p:sldId id="828" r:id="rId19"/>
+    <p:sldId id="786" r:id="rId20"/>
+    <p:sldId id="806" r:id="rId21"/>
+    <p:sldId id="807" r:id="rId22"/>
+    <p:sldId id="808" r:id="rId23"/>
+    <p:sldId id="259" r:id="rId24"/>
+    <p:sldId id="760" r:id="rId25"/>
+    <p:sldId id="796" r:id="rId26"/>
+    <p:sldId id="797" r:id="rId27"/>
+    <p:sldId id="798" r:id="rId28"/>
+    <p:sldId id="795" r:id="rId29"/>
+    <p:sldId id="814" r:id="rId30"/>
+    <p:sldId id="815" r:id="rId31"/>
+    <p:sldId id="816" r:id="rId32"/>
+    <p:sldId id="817" r:id="rId33"/>
+    <p:sldId id="818" r:id="rId34"/>
+    <p:sldId id="822" r:id="rId35"/>
+    <p:sldId id="821" r:id="rId36"/>
+    <p:sldId id="823" r:id="rId37"/>
+    <p:sldId id="802" r:id="rId38"/>
+    <p:sldId id="805" r:id="rId39"/>
+    <p:sldId id="774" r:id="rId40"/>
+    <p:sldId id="800" r:id="rId41"/>
+    <p:sldId id="820" r:id="rId42"/>
+    <p:sldId id="819" r:id="rId43"/>
+    <p:sldId id="824" r:id="rId44"/>
+    <p:sldId id="825" r:id="rId45"/>
   </p:sldIdLst>
   <p:sldSz cx="12192000" cy="6858000"/>
   <p:notesSz cx="6858000" cy="9144000"/>
@@ -5719,6 +5720,595 @@
           </p:sp>
         </mc:Fallback>
       </mc:AlternateContent>
+      <mc:AlternateContent xmlns:mc="http://schemas.openxmlformats.org/markup-compatibility/2006">
+        <mc:Choice xmlns:a14="http://schemas.microsoft.com/office/drawing/2010/main" Requires="a14">
+          <p:sp>
+            <p:nvSpPr>
+              <p:cNvPr id="4" name="TextBox 3">
+                <a:extLst>
+                  <a:ext uri="{FF2B5EF4-FFF2-40B4-BE49-F238E27FC236}">
+                    <a16:creationId xmlns:a16="http://schemas.microsoft.com/office/drawing/2014/main" id="{340F12D6-B238-BECC-FD67-C3A406B67077}"/>
+                  </a:ext>
+                </a:extLst>
+              </p:cNvPr>
+              <p:cNvSpPr txBox="1"/>
+              <p:nvPr/>
+            </p:nvSpPr>
+            <p:spPr>
+              <a:xfrm>
+                <a:off x="1244338" y="3318362"/>
+                <a:ext cx="9709608" cy="829330"/>
+              </a:xfrm>
+              <a:prstGeom prst="rect">
+                <a:avLst/>
+              </a:prstGeom>
+              <a:noFill/>
+            </p:spPr>
+            <p:txBody>
+              <a:bodyPr wrap="square">
+                <a:spAutoFit/>
+              </a:bodyPr>
+              <a:lstStyle/>
+              <a:p>
+                <a14:m>
+                  <m:oMath xmlns:m="http://schemas.openxmlformats.org/officeDocument/2006/math">
+                    <m:d>
+                      <m:dPr>
+                        <m:ctrlPr>
+                          <a:rPr lang="en-US" sz="3200" i="1" dirty="0" smtClean="0">
+                            <a:solidFill>
+                              <a:srgbClr val="C00000"/>
+                            </a:solidFill>
+                            <a:latin typeface="Cambria Math" panose="02040503050406030204" pitchFamily="18" charset="0"/>
+                          </a:rPr>
+                        </m:ctrlPr>
+                      </m:dPr>
+                      <m:e>
+                        <m:r>
+                          <a:rPr lang="en-US" sz="3200" i="1" dirty="0">
+                            <a:solidFill>
+                              <a:srgbClr val="C00000"/>
+                            </a:solidFill>
+                            <a:latin typeface="Cambria Math" panose="02040503050406030204" pitchFamily="18" charset="0"/>
+                          </a:rPr>
+                          <m:t>1−</m:t>
+                        </m:r>
+                        <m:f>
+                          <m:fPr>
+                            <m:ctrlPr>
+                              <a:rPr lang="en-US" sz="3200" i="1" dirty="0">
+                                <a:solidFill>
+                                  <a:srgbClr val="C00000"/>
+                                </a:solidFill>
+                                <a:latin typeface="Cambria Math" panose="02040503050406030204" pitchFamily="18" charset="0"/>
+                              </a:rPr>
+                            </m:ctrlPr>
+                          </m:fPr>
+                          <m:num>
+                            <m:r>
+                              <a:rPr lang="en-US" sz="3200" i="1" dirty="0">
+                                <a:solidFill>
+                                  <a:srgbClr val="C00000"/>
+                                </a:solidFill>
+                                <a:latin typeface="Cambria Math" panose="02040503050406030204" pitchFamily="18" charset="0"/>
+                              </a:rPr>
+                              <m:t>0</m:t>
+                            </m:r>
+                          </m:num>
+                          <m:den>
+                            <m:r>
+                              <a:rPr lang="en-US" sz="3200" i="1" dirty="0">
+                                <a:solidFill>
+                                  <a:srgbClr val="C00000"/>
+                                </a:solidFill>
+                                <a:latin typeface="Cambria Math" panose="02040503050406030204" pitchFamily="18" charset="0"/>
+                              </a:rPr>
+                              <m:t>𝑛</m:t>
+                            </m:r>
+                          </m:den>
+                        </m:f>
+                      </m:e>
+                    </m:d>
+                    <m:d>
+                      <m:dPr>
+                        <m:ctrlPr>
+                          <a:rPr lang="en-US" sz="3200" i="1" dirty="0">
+                            <a:solidFill>
+                              <a:srgbClr val="C00000"/>
+                            </a:solidFill>
+                            <a:latin typeface="Cambria Math" panose="02040503050406030204" pitchFamily="18" charset="0"/>
+                          </a:rPr>
+                        </m:ctrlPr>
+                      </m:dPr>
+                      <m:e>
+                        <m:r>
+                          <a:rPr lang="en-US" sz="3200" i="1" dirty="0">
+                            <a:solidFill>
+                              <a:srgbClr val="C00000"/>
+                            </a:solidFill>
+                            <a:latin typeface="Cambria Math" panose="02040503050406030204" pitchFamily="18" charset="0"/>
+                          </a:rPr>
+                          <m:t>1−</m:t>
+                        </m:r>
+                        <m:f>
+                          <m:fPr>
+                            <m:ctrlPr>
+                              <a:rPr lang="en-US" sz="3200" i="1" dirty="0">
+                                <a:solidFill>
+                                  <a:srgbClr val="C00000"/>
+                                </a:solidFill>
+                                <a:latin typeface="Cambria Math" panose="02040503050406030204" pitchFamily="18" charset="0"/>
+                              </a:rPr>
+                            </m:ctrlPr>
+                          </m:fPr>
+                          <m:num>
+                            <m:r>
+                              <a:rPr lang="en-US" sz="3200" b="0" i="1" dirty="0" smtClean="0">
+                                <a:solidFill>
+                                  <a:srgbClr val="C00000"/>
+                                </a:solidFill>
+                                <a:latin typeface="Cambria Math" panose="02040503050406030204" pitchFamily="18" charset="0"/>
+                              </a:rPr>
+                              <m:t>1</m:t>
+                            </m:r>
+                          </m:num>
+                          <m:den>
+                            <m:r>
+                              <a:rPr lang="en-US" sz="3200" i="1" dirty="0">
+                                <a:solidFill>
+                                  <a:srgbClr val="C00000"/>
+                                </a:solidFill>
+                                <a:latin typeface="Cambria Math" panose="02040503050406030204" pitchFamily="18" charset="0"/>
+                              </a:rPr>
+                              <m:t>𝑛</m:t>
+                            </m:r>
+                          </m:den>
+                        </m:f>
+                      </m:e>
+                    </m:d>
+                    <m:r>
+                      <a:rPr lang="en-US" sz="3200" b="0" i="1" dirty="0" smtClean="0">
+                        <a:solidFill>
+                          <a:srgbClr val="C00000"/>
+                        </a:solidFill>
+                        <a:latin typeface="Cambria Math" panose="02040503050406030204" pitchFamily="18" charset="0"/>
+                      </a:rPr>
+                      <m:t>…</m:t>
+                    </m:r>
+                    <m:d>
+                      <m:dPr>
+                        <m:ctrlPr>
+                          <a:rPr lang="en-US" sz="3200" i="1" dirty="0">
+                            <a:solidFill>
+                              <a:srgbClr val="C00000"/>
+                            </a:solidFill>
+                            <a:latin typeface="Cambria Math" panose="02040503050406030204" pitchFamily="18" charset="0"/>
+                          </a:rPr>
+                        </m:ctrlPr>
+                      </m:dPr>
+                      <m:e>
+                        <m:r>
+                          <a:rPr lang="en-US" sz="3200" i="1" dirty="0">
+                            <a:solidFill>
+                              <a:srgbClr val="C00000"/>
+                            </a:solidFill>
+                            <a:latin typeface="Cambria Math" panose="02040503050406030204" pitchFamily="18" charset="0"/>
+                          </a:rPr>
+                          <m:t>1−</m:t>
+                        </m:r>
+                        <m:f>
+                          <m:fPr>
+                            <m:ctrlPr>
+                              <a:rPr lang="en-US" sz="3200" i="1" dirty="0">
+                                <a:solidFill>
+                                  <a:srgbClr val="C00000"/>
+                                </a:solidFill>
+                                <a:latin typeface="Cambria Math" panose="02040503050406030204" pitchFamily="18" charset="0"/>
+                              </a:rPr>
+                            </m:ctrlPr>
+                          </m:fPr>
+                          <m:num>
+                            <m:r>
+                              <a:rPr lang="en-US" sz="3200" b="0" i="1" dirty="0" smtClean="0">
+                                <a:solidFill>
+                                  <a:srgbClr val="C00000"/>
+                                </a:solidFill>
+                                <a:latin typeface="Cambria Math" panose="02040503050406030204" pitchFamily="18" charset="0"/>
+                              </a:rPr>
+                              <m:t>𝑘</m:t>
+                            </m:r>
+                            <m:r>
+                              <a:rPr lang="en-US" sz="3200" b="0" i="1" dirty="0" smtClean="0">
+                                <a:solidFill>
+                                  <a:srgbClr val="C00000"/>
+                                </a:solidFill>
+                                <a:latin typeface="Cambria Math" panose="02040503050406030204" pitchFamily="18" charset="0"/>
+                              </a:rPr>
+                              <m:t>−1</m:t>
+                            </m:r>
+                          </m:num>
+                          <m:den>
+                            <m:r>
+                              <a:rPr lang="en-US" sz="3200" i="1" dirty="0">
+                                <a:solidFill>
+                                  <a:srgbClr val="C00000"/>
+                                </a:solidFill>
+                                <a:latin typeface="Cambria Math" panose="02040503050406030204" pitchFamily="18" charset="0"/>
+                              </a:rPr>
+                              <m:t>𝑛</m:t>
+                            </m:r>
+                          </m:den>
+                        </m:f>
+                      </m:e>
+                    </m:d>
+                    <m:r>
+                      <a:rPr lang="en-US" sz="3200" b="0" i="1" dirty="0" smtClean="0">
+                        <a:solidFill>
+                          <a:srgbClr val="C00000"/>
+                        </a:solidFill>
+                        <a:latin typeface="Cambria Math" panose="02040503050406030204" pitchFamily="18" charset="0"/>
+                      </a:rPr>
+                      <m:t>&lt;</m:t>
+                    </m:r>
+                    <m:f>
+                      <m:fPr>
+                        <m:ctrlPr>
+                          <a:rPr lang="en-US" sz="3200" b="0" i="1" dirty="0" smtClean="0">
+                            <a:solidFill>
+                              <a:srgbClr val="C00000"/>
+                            </a:solidFill>
+                            <a:latin typeface="Cambria Math" panose="02040503050406030204" pitchFamily="18" charset="0"/>
+                          </a:rPr>
+                        </m:ctrlPr>
+                      </m:fPr>
+                      <m:num>
+                        <m:r>
+                          <a:rPr lang="en-US" sz="3200" b="0" i="1" dirty="0" smtClean="0">
+                            <a:solidFill>
+                              <a:srgbClr val="C00000"/>
+                            </a:solidFill>
+                            <a:latin typeface="Cambria Math" panose="02040503050406030204" pitchFamily="18" charset="0"/>
+                          </a:rPr>
+                          <m:t>1</m:t>
+                        </m:r>
+                      </m:num>
+                      <m:den>
+                        <m:r>
+                          <a:rPr lang="en-US" sz="3200" b="0" i="1" dirty="0" smtClean="0">
+                            <a:solidFill>
+                              <a:srgbClr val="C00000"/>
+                            </a:solidFill>
+                            <a:latin typeface="Cambria Math" panose="02040503050406030204" pitchFamily="18" charset="0"/>
+                          </a:rPr>
+                          <m:t>2</m:t>
+                        </m:r>
+                      </m:den>
+                    </m:f>
+                  </m:oMath>
+                </a14:m>
+                <a:r>
+                  <a:rPr lang="en-US" sz="2800" dirty="0"/>
+                  <a:t>	</a:t>
+                </a:r>
+                <a:endParaRPr lang="en-US" sz="2800" i="1" dirty="0"/>
+              </a:p>
+            </p:txBody>
+          </p:sp>
+        </mc:Choice>
+        <mc:Fallback>
+          <p:sp>
+            <p:nvSpPr>
+              <p:cNvPr id="4" name="TextBox 3">
+                <a:extLst>
+                  <a:ext uri="{FF2B5EF4-FFF2-40B4-BE49-F238E27FC236}">
+                    <a16:creationId xmlns:a16="http://schemas.microsoft.com/office/drawing/2014/main" id="{340F12D6-B238-BECC-FD67-C3A406B67077}"/>
+                  </a:ext>
+                </a:extLst>
+              </p:cNvPr>
+              <p:cNvSpPr txBox="1">
+                <a:spLocks noRot="1" noChangeAspect="1" noMove="1" noResize="1" noEditPoints="1" noAdjustHandles="1" noChangeArrowheads="1" noChangeShapeType="1" noTextEdit="1"/>
+              </p:cNvSpPr>
+              <p:nvPr/>
+            </p:nvSpPr>
+            <p:spPr>
+              <a:xfrm>
+                <a:off x="1244338" y="3318362"/>
+                <a:ext cx="9709608" cy="829330"/>
+              </a:xfrm>
+              <a:prstGeom prst="rect">
+                <a:avLst/>
+              </a:prstGeom>
+              <a:blipFill>
+                <a:blip r:embed="rId3"/>
+                <a:stretch>
+                  <a:fillRect/>
+                </a:stretch>
+              </a:blipFill>
+            </p:spPr>
+            <p:txBody>
+              <a:bodyPr/>
+              <a:lstStyle/>
+              <a:p>
+                <a:r>
+                  <a:rPr lang="en-US">
+                    <a:noFill/>
+                  </a:rPr>
+                  <a:t> </a:t>
+                </a:r>
+              </a:p>
+            </p:txBody>
+          </p:sp>
+        </mc:Fallback>
+      </mc:AlternateContent>
+    </p:spTree>
+    <p:extLst>
+      <p:ext uri="{BB962C8B-B14F-4D97-AF65-F5344CB8AC3E}">
+        <p14:creationId xmlns:p14="http://schemas.microsoft.com/office/powerpoint/2010/main" val="3913439883"/>
+      </p:ext>
+    </p:extLst>
+  </p:cSld>
+  <p:clrMapOvr>
+    <a:masterClrMapping/>
+  </p:clrMapOvr>
+</p:sld>
+</file>
+
+<file path=ppt/slides/slide14.xml><?xml version="1.0" encoding="utf-8"?>
+<p:sld xmlns:a="http://schemas.openxmlformats.org/drawingml/2006/main" xmlns:r="http://schemas.openxmlformats.org/officeDocument/2006/relationships" xmlns:p="http://schemas.openxmlformats.org/presentationml/2006/main">
+  <p:cSld>
+    <p:spTree>
+      <p:nvGrpSpPr>
+        <p:cNvPr id="1" name=""/>
+        <p:cNvGrpSpPr/>
+        <p:nvPr/>
+      </p:nvGrpSpPr>
+      <p:grpSpPr>
+        <a:xfrm>
+          <a:off x="0" y="0"/>
+          <a:ext cx="0" cy="0"/>
+          <a:chOff x="0" y="0"/>
+          <a:chExt cx="0" cy="0"/>
+        </a:xfrm>
+      </p:grpSpPr>
+      <p:sp>
+        <p:nvSpPr>
+          <p:cNvPr id="2" name="Title 1">
+            <a:extLst>
+              <a:ext uri="{FF2B5EF4-FFF2-40B4-BE49-F238E27FC236}">
+                <a16:creationId xmlns:a16="http://schemas.microsoft.com/office/drawing/2014/main" id="{A49DDC00-2744-B7F9-8394-609BE1AEC413}"/>
+              </a:ext>
+            </a:extLst>
+          </p:cNvPr>
+          <p:cNvSpPr>
+            <a:spLocks noGrp="1"/>
+          </p:cNvSpPr>
+          <p:nvPr>
+            <p:ph type="title"/>
+          </p:nvPr>
+        </p:nvSpPr>
+        <p:spPr/>
+        <p:txBody>
+          <a:bodyPr/>
+          <a:lstStyle/>
+          <a:p>
+            <a:r>
+              <a:rPr lang="en-US" dirty="0">
+                <a:solidFill>
+                  <a:srgbClr val="C00000"/>
+                </a:solidFill>
+              </a:rPr>
+              <a:t>Birthday Paradox</a:t>
+            </a:r>
+            <a:endParaRPr lang="en-US" dirty="0"/>
+          </a:p>
+        </p:txBody>
+      </p:sp>
+      <mc:AlternateContent xmlns:mc="http://schemas.openxmlformats.org/markup-compatibility/2006" xmlns:a14="http://schemas.microsoft.com/office/drawing/2010/main">
+        <mc:Choice Requires="a14">
+          <p:sp>
+            <p:nvSpPr>
+              <p:cNvPr id="3" name="Content Placeholder 2">
+                <a:extLst>
+                  <a:ext uri="{FF2B5EF4-FFF2-40B4-BE49-F238E27FC236}">
+                    <a16:creationId xmlns:a16="http://schemas.microsoft.com/office/drawing/2014/main" id="{6666941B-6AAA-DFD0-8896-ACB1B4FE2AC6}"/>
+                  </a:ext>
+                </a:extLst>
+              </p:cNvPr>
+              <p:cNvSpPr>
+                <a:spLocks noGrp="1"/>
+              </p:cNvSpPr>
+              <p:nvPr>
+                <p:ph idx="1"/>
+              </p:nvPr>
+            </p:nvSpPr>
+            <p:spPr>
+              <a:xfrm>
+                <a:off x="838200" y="1825625"/>
+                <a:ext cx="10515600" cy="4667250"/>
+              </a:xfrm>
+            </p:spPr>
+            <p:txBody>
+              <a:bodyPr>
+                <a:normAutofit/>
+              </a:bodyPr>
+              <a:lstStyle/>
+              <a:p>
+                <a:pPr>
+                  <a:buClr>
+                    <a:schemeClr val="tx1"/>
+                  </a:buClr>
+                </a:pPr>
+                <a:r>
+                  <a:rPr lang="en-US" dirty="0"/>
+                  <a:t>Suppose we have a fair </a:t>
+                </a:r>
+                <a14:m>
+                  <m:oMath xmlns:m="http://schemas.openxmlformats.org/officeDocument/2006/math">
+                    <m:r>
+                      <a:rPr lang="en-US" i="1" dirty="0">
+                        <a:solidFill>
+                          <a:srgbClr val="C00000"/>
+                        </a:solidFill>
+                        <a:latin typeface="Cambria Math" panose="02040503050406030204" pitchFamily="18" charset="0"/>
+                      </a:rPr>
+                      <m:t>𝑛</m:t>
+                    </m:r>
+                  </m:oMath>
+                </a14:m>
+                <a:r>
+                  <a:rPr lang="en-US" dirty="0"/>
+                  <a:t>-sided die that we roll </a:t>
+                </a:r>
+                <a14:m>
+                  <m:oMath xmlns:m="http://schemas.openxmlformats.org/officeDocument/2006/math">
+                    <m:r>
+                      <a:rPr lang="en-US" i="1" dirty="0">
+                        <a:solidFill>
+                          <a:srgbClr val="C00000"/>
+                        </a:solidFill>
+                        <a:latin typeface="Cambria Math" panose="02040503050406030204" pitchFamily="18" charset="0"/>
+                      </a:rPr>
+                      <m:t>𝑘</m:t>
+                    </m:r>
+                    <m:r>
+                      <a:rPr lang="en-US" dirty="0">
+                        <a:solidFill>
+                          <a:srgbClr val="C00000"/>
+                        </a:solidFill>
+                        <a:latin typeface="Cambria Math" panose="02040503050406030204" pitchFamily="18" charset="0"/>
+                      </a:rPr>
+                      <m:t>=</m:t>
+                    </m:r>
+                    <m:r>
+                      <a:rPr lang="en-US" i="1" dirty="0">
+                        <a:solidFill>
+                          <a:srgbClr val="C00000"/>
+                        </a:solidFill>
+                        <a:latin typeface="Cambria Math" panose="02040503050406030204" pitchFamily="18" charset="0"/>
+                      </a:rPr>
+                      <m:t>1</m:t>
+                    </m:r>
+                    <m:r>
+                      <m:rPr>
+                        <m:nor/>
+                      </m:rPr>
+                      <a:rPr lang="en-US" dirty="0"/>
+                      <m:t>, </m:t>
+                    </m:r>
+                    <m:r>
+                      <a:rPr lang="en-US" i="1" dirty="0">
+                        <a:solidFill>
+                          <a:srgbClr val="C00000"/>
+                        </a:solidFill>
+                        <a:latin typeface="Cambria Math" panose="02040503050406030204" pitchFamily="18" charset="0"/>
+                      </a:rPr>
+                      <m:t>2</m:t>
+                    </m:r>
+                    <m:r>
+                      <m:rPr>
+                        <m:nor/>
+                      </m:rPr>
+                      <a:rPr lang="en-US" dirty="0"/>
+                      <m:t>, </m:t>
+                    </m:r>
+                    <m:r>
+                      <a:rPr lang="en-US" i="1" dirty="0">
+                        <a:solidFill>
+                          <a:srgbClr val="C00000"/>
+                        </a:solidFill>
+                        <a:latin typeface="Cambria Math" panose="02040503050406030204" pitchFamily="18" charset="0"/>
+                      </a:rPr>
+                      <m:t>3</m:t>
+                    </m:r>
+                    <m:r>
+                      <m:rPr>
+                        <m:nor/>
+                      </m:rPr>
+                      <a:rPr lang="en-US" dirty="0"/>
+                      <m:t>, </m:t>
+                    </m:r>
+                    <m:r>
+                      <a:rPr lang="en-US" i="1" dirty="0">
+                        <a:solidFill>
+                          <a:srgbClr val="C00000"/>
+                        </a:solidFill>
+                        <a:latin typeface="Cambria Math" panose="02040503050406030204" pitchFamily="18" charset="0"/>
+                      </a:rPr>
+                      <m:t>4</m:t>
+                    </m:r>
+                    <m:r>
+                      <m:rPr>
+                        <m:nor/>
+                      </m:rPr>
+                      <a:rPr lang="en-US" dirty="0"/>
+                      <m:t>,...</m:t>
+                    </m:r>
+                  </m:oMath>
+                </a14:m>
+                <a:r>
+                  <a:rPr lang="en-US" dirty="0"/>
+                  <a:t> times. What is the probability we </a:t>
+                </a:r>
+                <a:r>
+                  <a:rPr lang="en-US" dirty="0">
+                    <a:solidFill>
+                      <a:srgbClr val="FF0000"/>
+                    </a:solidFill>
+                  </a:rPr>
+                  <a:t>DO NOT</a:t>
+                </a:r>
+                <a:r>
+                  <a:rPr lang="en-US" dirty="0"/>
+                  <a:t> see a repeated outcome among the rolls? </a:t>
+                </a:r>
+              </a:p>
+            </p:txBody>
+          </p:sp>
+        </mc:Choice>
+        <mc:Fallback xmlns="">
+          <p:sp>
+            <p:nvSpPr>
+              <p:cNvPr id="3" name="Content Placeholder 2">
+                <a:extLst>
+                  <a:ext uri="{FF2B5EF4-FFF2-40B4-BE49-F238E27FC236}">
+                    <a16:creationId xmlns:a16="http://schemas.microsoft.com/office/drawing/2014/main" id="{6666941B-6AAA-DFD0-8896-ACB1B4FE2AC6}"/>
+                  </a:ext>
+                </a:extLst>
+              </p:cNvPr>
+              <p:cNvSpPr>
+                <a:spLocks noGrp="1" noRot="1" noChangeAspect="1" noMove="1" noResize="1" noEditPoints="1" noAdjustHandles="1" noChangeArrowheads="1" noChangeShapeType="1" noTextEdit="1"/>
+              </p:cNvSpPr>
+              <p:nvPr>
+                <p:ph idx="1"/>
+              </p:nvPr>
+            </p:nvSpPr>
+            <p:spPr>
+              <a:xfrm>
+                <a:off x="838200" y="1825625"/>
+                <a:ext cx="10515600" cy="4667250"/>
+              </a:xfrm>
+              <a:blipFill>
+                <a:blip r:embed="rId2"/>
+                <a:stretch>
+                  <a:fillRect l="-1043" t="-2089"/>
+                </a:stretch>
+              </a:blipFill>
+            </p:spPr>
+            <p:txBody>
+              <a:bodyPr/>
+              <a:lstStyle/>
+              <a:p>
+                <a:r>
+                  <a:rPr lang="en-US">
+                    <a:noFill/>
+                  </a:rPr>
+                  <a:t> </a:t>
+                </a:r>
+              </a:p>
+            </p:txBody>
+          </p:sp>
+        </mc:Fallback>
+      </mc:AlternateContent>
       <mc:AlternateContent xmlns:mc="http://schemas.openxmlformats.org/markup-compatibility/2006" xmlns:a14="http://schemas.microsoft.com/office/drawing/2010/main">
         <mc:Choice Requires="a14">
           <p:sp>
@@ -6126,7 +6716,7 @@
 </p:sld>
 </file>
 
-<file path=ppt/slides/slide14.xml><?xml version="1.0" encoding="utf-8"?>
+<file path=ppt/slides/slide15.xml><?xml version="1.0" encoding="utf-8"?>
 <p:sld xmlns:a="http://schemas.openxmlformats.org/drawingml/2006/main" xmlns:r="http://schemas.openxmlformats.org/officeDocument/2006/relationships" xmlns:p="http://schemas.openxmlformats.org/presentationml/2006/main">
   <p:cSld>
     <p:spTree>
@@ -6442,7 +7032,7 @@
 </p:sld>
 </file>
 
-<file path=ppt/slides/slide15.xml><?xml version="1.0" encoding="utf-8"?>
+<file path=ppt/slides/slide16.xml><?xml version="1.0" encoding="utf-8"?>
 <p:sld xmlns:a="http://schemas.openxmlformats.org/drawingml/2006/main" xmlns:r="http://schemas.openxmlformats.org/officeDocument/2006/relationships" xmlns:p="http://schemas.openxmlformats.org/presentationml/2006/main">
   <p:cSld>
     <p:spTree>
@@ -7087,7 +7677,7 @@
 </p:sld>
 </file>
 
-<file path=ppt/slides/slide16.xml><?xml version="1.0" encoding="utf-8"?>
+<file path=ppt/slides/slide17.xml><?xml version="1.0" encoding="utf-8"?>
 <p:sld xmlns:a="http://schemas.openxmlformats.org/drawingml/2006/main" xmlns:r="http://schemas.openxmlformats.org/officeDocument/2006/relationships" xmlns:p="http://schemas.openxmlformats.org/presentationml/2006/main">
   <p:cSld>
     <p:spTree>
@@ -7868,7 +8458,7 @@
 </p:sld>
 </file>
 
-<file path=ppt/slides/slide17.xml><?xml version="1.0" encoding="utf-8"?>
+<file path=ppt/slides/slide18.xml><?xml version="1.0" encoding="utf-8"?>
 <p:sld xmlns:a="http://schemas.openxmlformats.org/drawingml/2006/main" xmlns:r="http://schemas.openxmlformats.org/officeDocument/2006/relationships" xmlns:p="http://schemas.openxmlformats.org/presentationml/2006/main">
   <p:cSld>
     <p:spTree>
@@ -8708,7 +9298,7 @@
 </p:sld>
 </file>
 
-<file path=ppt/slides/slide18.xml><?xml version="1.0" encoding="utf-8"?>
+<file path=ppt/slides/slide19.xml><?xml version="1.0" encoding="utf-8"?>
 <p:sld xmlns:a="http://schemas.openxmlformats.org/drawingml/2006/main" xmlns:r="http://schemas.openxmlformats.org/officeDocument/2006/relationships" xmlns:p="http://schemas.openxmlformats.org/presentationml/2006/main">
   <p:cSld>
     <p:spTree>
@@ -8933,369 +9523,6 @@
     <p:extLst>
       <p:ext uri="{BB962C8B-B14F-4D97-AF65-F5344CB8AC3E}">
         <p14:creationId xmlns:p14="http://schemas.microsoft.com/office/powerpoint/2010/main" val="3310772482"/>
-      </p:ext>
-    </p:extLst>
-  </p:cSld>
-  <p:clrMapOvr>
-    <a:masterClrMapping/>
-  </p:clrMapOvr>
-</p:sld>
-</file>
-
-<file path=ppt/slides/slide19.xml><?xml version="1.0" encoding="utf-8"?>
-<p:sld xmlns:a="http://schemas.openxmlformats.org/drawingml/2006/main" xmlns:r="http://schemas.openxmlformats.org/officeDocument/2006/relationships" xmlns:p="http://schemas.openxmlformats.org/presentationml/2006/main">
-  <p:cSld>
-    <p:spTree>
-      <p:nvGrpSpPr>
-        <p:cNvPr id="1" name=""/>
-        <p:cNvGrpSpPr/>
-        <p:nvPr/>
-      </p:nvGrpSpPr>
-      <p:grpSpPr>
-        <a:xfrm>
-          <a:off x="0" y="0"/>
-          <a:ext cx="0" cy="0"/>
-          <a:chOff x="0" y="0"/>
-          <a:chExt cx="0" cy="0"/>
-        </a:xfrm>
-      </p:grpSpPr>
-      <p:sp>
-        <p:nvSpPr>
-          <p:cNvPr id="2" name="Title 1">
-            <a:extLst>
-              <a:ext uri="{FF2B5EF4-FFF2-40B4-BE49-F238E27FC236}">
-                <a16:creationId xmlns:a16="http://schemas.microsoft.com/office/drawing/2014/main" id="{E95FF63F-C49F-F9BD-1AE9-0F1781E7FD2F}"/>
-              </a:ext>
-            </a:extLst>
-          </p:cNvPr>
-          <p:cNvSpPr>
-            <a:spLocks noGrp="1"/>
-          </p:cNvSpPr>
-          <p:nvPr>
-            <p:ph type="title"/>
-          </p:nvPr>
-        </p:nvSpPr>
-        <p:spPr/>
-        <p:txBody>
-          <a:bodyPr/>
-          <a:lstStyle/>
-          <a:p>
-            <a:r>
-              <a:rPr lang="en-US" dirty="0">
-                <a:solidFill>
-                  <a:srgbClr val="C00000"/>
-                </a:solidFill>
-              </a:rPr>
-              <a:t>Case Study</a:t>
-            </a:r>
-            <a:endParaRPr lang="en-US" dirty="0"/>
-          </a:p>
-        </p:txBody>
-      </p:sp>
-      <p:pic>
-        <p:nvPicPr>
-          <p:cNvPr id="11" name="Picture 10">
-            <a:extLst>
-              <a:ext uri="{FF2B5EF4-FFF2-40B4-BE49-F238E27FC236}">
-                <a16:creationId xmlns:a16="http://schemas.microsoft.com/office/drawing/2014/main" id="{84CE8A9D-A284-5F58-36D4-F7BFA10CCC8A}"/>
-              </a:ext>
-            </a:extLst>
-          </p:cNvPr>
-          <p:cNvPicPr>
-            <a:picLocks noChangeAspect="1"/>
-          </p:cNvPicPr>
-          <p:nvPr/>
-        </p:nvPicPr>
-        <p:blipFill>
-          <a:blip r:embed="rId2">
-            <a:extLst>
-              <a:ext uri="{28A0092B-C50C-407E-A947-70E740481C1C}">
-                <a14:useLocalDpi xmlns:a14="http://schemas.microsoft.com/office/drawing/2010/main" val="0"/>
-              </a:ext>
-            </a:extLst>
-          </a:blip>
-          <a:stretch>
-            <a:fillRect/>
-          </a:stretch>
-        </p:blipFill>
-        <p:spPr>
-          <a:xfrm>
-            <a:off x="5656909" y="2904693"/>
-            <a:ext cx="4009285" cy="3341071"/>
-          </a:xfrm>
-          <a:prstGeom prst="rect">
-            <a:avLst/>
-          </a:prstGeom>
-        </p:spPr>
-      </p:pic>
-      <p:pic>
-        <p:nvPicPr>
-          <p:cNvPr id="9" name="Content Placeholder 8">
-            <a:extLst>
-              <a:ext uri="{FF2B5EF4-FFF2-40B4-BE49-F238E27FC236}">
-                <a16:creationId xmlns:a16="http://schemas.microsoft.com/office/drawing/2014/main" id="{CDEF6AEE-CEB2-C0DE-E5F5-632EDD8D702F}"/>
-              </a:ext>
-            </a:extLst>
-          </p:cNvPr>
-          <p:cNvPicPr>
-            <a:picLocks noGrp="1" noChangeAspect="1"/>
-          </p:cNvPicPr>
-          <p:nvPr>
-            <p:ph idx="1"/>
-          </p:nvPr>
-        </p:nvPicPr>
-        <p:blipFill>
-          <a:blip r:embed="rId3">
-            <a:extLst>
-              <a:ext uri="{28A0092B-C50C-407E-A947-70E740481C1C}">
-                <a14:useLocalDpi xmlns:a14="http://schemas.microsoft.com/office/drawing/2010/main" val="0"/>
-              </a:ext>
-            </a:extLst>
-          </a:blip>
-          <a:stretch>
-            <a:fillRect/>
-          </a:stretch>
-        </p:blipFill>
-        <p:spPr>
-          <a:xfrm>
-            <a:off x="9191065" y="2754377"/>
-            <a:ext cx="2418229" cy="3587916"/>
-          </a:xfrm>
-        </p:spPr>
-      </p:pic>
-      <p:sp>
-        <p:nvSpPr>
-          <p:cNvPr id="12" name="Content Placeholder 2">
-            <a:extLst>
-              <a:ext uri="{FF2B5EF4-FFF2-40B4-BE49-F238E27FC236}">
-                <a16:creationId xmlns:a16="http://schemas.microsoft.com/office/drawing/2014/main" id="{1B43BF84-3D3C-F4AB-27A8-D9D54DD1896F}"/>
-              </a:ext>
-            </a:extLst>
-          </p:cNvPr>
-          <p:cNvSpPr txBox="1">
-            <a:spLocks/>
-          </p:cNvSpPr>
-          <p:nvPr/>
-        </p:nvSpPr>
-        <p:spPr>
-          <a:xfrm>
-            <a:off x="838200" y="1825625"/>
-            <a:ext cx="5858435" cy="4667250"/>
-          </a:xfrm>
-          <a:prstGeom prst="rect">
-            <a:avLst/>
-          </a:prstGeom>
-        </p:spPr>
-        <p:txBody>
-          <a:bodyPr vert="horz" lIns="91440" tIns="45720" rIns="91440" bIns="45720" rtlCol="0">
-            <a:normAutofit/>
-          </a:bodyPr>
-          <a:lstStyle>
-            <a:lvl1pPr marL="228600" indent="-228600" algn="l" defTabSz="914400" rtl="0" eaLnBrk="1" latinLnBrk="0" hangingPunct="1">
-              <a:lnSpc>
-                <a:spcPct val="90000"/>
-              </a:lnSpc>
-              <a:spcBef>
-                <a:spcPts val="1000"/>
-              </a:spcBef>
-              <a:buFont typeface="Arial" panose="020B0604020202020204" pitchFamily="34" charset="0"/>
-              <a:buChar char="•"/>
-              <a:defRPr sz="2800" kern="1200">
-                <a:solidFill>
-                  <a:schemeClr val="tx1"/>
-                </a:solidFill>
-                <a:latin typeface="+mn-lt"/>
-                <a:ea typeface="+mn-ea"/>
-                <a:cs typeface="+mn-cs"/>
-              </a:defRPr>
-            </a:lvl1pPr>
-            <a:lvl2pPr marL="685800" indent="-228600" algn="l" defTabSz="914400" rtl="0" eaLnBrk="1" latinLnBrk="0" hangingPunct="1">
-              <a:lnSpc>
-                <a:spcPct val="90000"/>
-              </a:lnSpc>
-              <a:spcBef>
-                <a:spcPts val="500"/>
-              </a:spcBef>
-              <a:buFont typeface="Arial" panose="020B0604020202020204" pitchFamily="34" charset="0"/>
-              <a:buChar char="•"/>
-              <a:defRPr sz="2400" kern="1200">
-                <a:solidFill>
-                  <a:schemeClr val="tx1"/>
-                </a:solidFill>
-                <a:latin typeface="+mn-lt"/>
-                <a:ea typeface="+mn-ea"/>
-                <a:cs typeface="+mn-cs"/>
-              </a:defRPr>
-            </a:lvl2pPr>
-            <a:lvl3pPr marL="1143000" indent="-228600" algn="l" defTabSz="914400" rtl="0" eaLnBrk="1" latinLnBrk="0" hangingPunct="1">
-              <a:lnSpc>
-                <a:spcPct val="90000"/>
-              </a:lnSpc>
-              <a:spcBef>
-                <a:spcPts val="500"/>
-              </a:spcBef>
-              <a:buFont typeface="Arial" panose="020B0604020202020204" pitchFamily="34" charset="0"/>
-              <a:buChar char="•"/>
-              <a:defRPr sz="2000" kern="1200">
-                <a:solidFill>
-                  <a:schemeClr val="tx1"/>
-                </a:solidFill>
-                <a:latin typeface="+mn-lt"/>
-                <a:ea typeface="+mn-ea"/>
-                <a:cs typeface="+mn-cs"/>
-              </a:defRPr>
-            </a:lvl3pPr>
-            <a:lvl4pPr marL="1600200" indent="-228600" algn="l" defTabSz="914400" rtl="0" eaLnBrk="1" latinLnBrk="0" hangingPunct="1">
-              <a:lnSpc>
-                <a:spcPct val="90000"/>
-              </a:lnSpc>
-              <a:spcBef>
-                <a:spcPts val="500"/>
-              </a:spcBef>
-              <a:buFont typeface="Arial" panose="020B0604020202020204" pitchFamily="34" charset="0"/>
-              <a:buChar char="•"/>
-              <a:defRPr sz="1800" kern="1200">
-                <a:solidFill>
-                  <a:schemeClr val="tx1"/>
-                </a:solidFill>
-                <a:latin typeface="+mn-lt"/>
-                <a:ea typeface="+mn-ea"/>
-                <a:cs typeface="+mn-cs"/>
-              </a:defRPr>
-            </a:lvl4pPr>
-            <a:lvl5pPr marL="2057400" indent="-228600" algn="l" defTabSz="914400" rtl="0" eaLnBrk="1" latinLnBrk="0" hangingPunct="1">
-              <a:lnSpc>
-                <a:spcPct val="90000"/>
-              </a:lnSpc>
-              <a:spcBef>
-                <a:spcPts val="500"/>
-              </a:spcBef>
-              <a:buFont typeface="Arial" panose="020B0604020202020204" pitchFamily="34" charset="0"/>
-              <a:buChar char="•"/>
-              <a:defRPr sz="1800" kern="1200">
-                <a:solidFill>
-                  <a:schemeClr val="tx1"/>
-                </a:solidFill>
-                <a:latin typeface="+mn-lt"/>
-                <a:ea typeface="+mn-ea"/>
-                <a:cs typeface="+mn-cs"/>
-              </a:defRPr>
-            </a:lvl5pPr>
-            <a:lvl6pPr marL="2514600" indent="-228600" algn="l" defTabSz="914400" rtl="0" eaLnBrk="1" latinLnBrk="0" hangingPunct="1">
-              <a:lnSpc>
-                <a:spcPct val="90000"/>
-              </a:lnSpc>
-              <a:spcBef>
-                <a:spcPts val="500"/>
-              </a:spcBef>
-              <a:buFont typeface="Arial" panose="020B0604020202020204" pitchFamily="34" charset="0"/>
-              <a:buChar char="•"/>
-              <a:defRPr sz="1800" kern="1200">
-                <a:solidFill>
-                  <a:schemeClr val="tx1"/>
-                </a:solidFill>
-                <a:latin typeface="+mn-lt"/>
-                <a:ea typeface="+mn-ea"/>
-                <a:cs typeface="+mn-cs"/>
-              </a:defRPr>
-            </a:lvl6pPr>
-            <a:lvl7pPr marL="2971800" indent="-228600" algn="l" defTabSz="914400" rtl="0" eaLnBrk="1" latinLnBrk="0" hangingPunct="1">
-              <a:lnSpc>
-                <a:spcPct val="90000"/>
-              </a:lnSpc>
-              <a:spcBef>
-                <a:spcPts val="500"/>
-              </a:spcBef>
-              <a:buFont typeface="Arial" panose="020B0604020202020204" pitchFamily="34" charset="0"/>
-              <a:buChar char="•"/>
-              <a:defRPr sz="1800" kern="1200">
-                <a:solidFill>
-                  <a:schemeClr val="tx1"/>
-                </a:solidFill>
-                <a:latin typeface="+mn-lt"/>
-                <a:ea typeface="+mn-ea"/>
-                <a:cs typeface="+mn-cs"/>
-              </a:defRPr>
-            </a:lvl7pPr>
-            <a:lvl8pPr marL="3429000" indent="-228600" algn="l" defTabSz="914400" rtl="0" eaLnBrk="1" latinLnBrk="0" hangingPunct="1">
-              <a:lnSpc>
-                <a:spcPct val="90000"/>
-              </a:lnSpc>
-              <a:spcBef>
-                <a:spcPts val="500"/>
-              </a:spcBef>
-              <a:buFont typeface="Arial" panose="020B0604020202020204" pitchFamily="34" charset="0"/>
-              <a:buChar char="•"/>
-              <a:defRPr sz="1800" kern="1200">
-                <a:solidFill>
-                  <a:schemeClr val="tx1"/>
-                </a:solidFill>
-                <a:latin typeface="+mn-lt"/>
-                <a:ea typeface="+mn-ea"/>
-                <a:cs typeface="+mn-cs"/>
-              </a:defRPr>
-            </a:lvl8pPr>
-            <a:lvl9pPr marL="3886200" indent="-228600" algn="l" defTabSz="914400" rtl="0" eaLnBrk="1" latinLnBrk="0" hangingPunct="1">
-              <a:lnSpc>
-                <a:spcPct val="90000"/>
-              </a:lnSpc>
-              <a:spcBef>
-                <a:spcPts val="500"/>
-              </a:spcBef>
-              <a:buFont typeface="Arial" panose="020B0604020202020204" pitchFamily="34" charset="0"/>
-              <a:buChar char="•"/>
-              <a:defRPr sz="1800" kern="1200">
-                <a:solidFill>
-                  <a:schemeClr val="tx1"/>
-                </a:solidFill>
-                <a:latin typeface="+mn-lt"/>
-                <a:ea typeface="+mn-ea"/>
-                <a:cs typeface="+mn-cs"/>
-              </a:defRPr>
-            </a:lvl9pPr>
-          </a:lstStyle>
-          <a:p>
-            <a:r>
-              <a:rPr lang="en-US" dirty="0"/>
-              <a:t>We are trying to learn a new language on an app, which claims to have a database of </a:t>
-            </a:r>
-            <a:r>
-              <a:rPr lang="en-US" i="1" dirty="0">
-                <a:solidFill>
-                  <a:srgbClr val="7030A0"/>
-                </a:solidFill>
-              </a:rPr>
-              <a:t>1 million words</a:t>
-            </a:r>
-          </a:p>
-          <a:p>
-            <a:endParaRPr lang="en-US" i="1" dirty="0">
-              <a:solidFill>
-                <a:srgbClr val="7030A0"/>
-              </a:solidFill>
-            </a:endParaRPr>
-          </a:p>
-          <a:p>
-            <a:r>
-              <a:rPr lang="en-US" dirty="0"/>
-              <a:t>Each time we ask the app, it gives us a random word in the database</a:t>
-            </a:r>
-          </a:p>
-          <a:p>
-            <a:endParaRPr lang="en-US" dirty="0"/>
-          </a:p>
-          <a:p>
-            <a:r>
-              <a:rPr lang="en-US" dirty="0"/>
-              <a:t>We want to verify the claim</a:t>
-            </a:r>
-          </a:p>
-        </p:txBody>
-      </p:sp>
-    </p:spTree>
-    <p:extLst>
-      <p:ext uri="{BB962C8B-B14F-4D97-AF65-F5344CB8AC3E}">
-        <p14:creationId xmlns:p14="http://schemas.microsoft.com/office/powerpoint/2010/main" val="2874500468"/>
       </p:ext>
     </p:extLst>
   </p:cSld>
@@ -9719,6 +9946,369 @@
           <a:p>
             <a:r>
               <a:rPr lang="en-US" dirty="0"/>
+              <a:t>We are trying to learn a new language on an app, which claims to have a database of </a:t>
+            </a:r>
+            <a:r>
+              <a:rPr lang="en-US" i="1" dirty="0">
+                <a:solidFill>
+                  <a:srgbClr val="7030A0"/>
+                </a:solidFill>
+              </a:rPr>
+              <a:t>1 million words</a:t>
+            </a:r>
+          </a:p>
+          <a:p>
+            <a:endParaRPr lang="en-US" i="1" dirty="0">
+              <a:solidFill>
+                <a:srgbClr val="7030A0"/>
+              </a:solidFill>
+            </a:endParaRPr>
+          </a:p>
+          <a:p>
+            <a:r>
+              <a:rPr lang="en-US" dirty="0"/>
+              <a:t>Each time we ask the app, it gives us a random word in the database</a:t>
+            </a:r>
+          </a:p>
+          <a:p>
+            <a:endParaRPr lang="en-US" dirty="0"/>
+          </a:p>
+          <a:p>
+            <a:r>
+              <a:rPr lang="en-US" dirty="0"/>
+              <a:t>We want to verify the claim</a:t>
+            </a:r>
+          </a:p>
+        </p:txBody>
+      </p:sp>
+    </p:spTree>
+    <p:extLst>
+      <p:ext uri="{BB962C8B-B14F-4D97-AF65-F5344CB8AC3E}">
+        <p14:creationId xmlns:p14="http://schemas.microsoft.com/office/powerpoint/2010/main" val="2874500468"/>
+      </p:ext>
+    </p:extLst>
+  </p:cSld>
+  <p:clrMapOvr>
+    <a:masterClrMapping/>
+  </p:clrMapOvr>
+</p:sld>
+</file>
+
+<file path=ppt/slides/slide21.xml><?xml version="1.0" encoding="utf-8"?>
+<p:sld xmlns:a="http://schemas.openxmlformats.org/drawingml/2006/main" xmlns:r="http://schemas.openxmlformats.org/officeDocument/2006/relationships" xmlns:p="http://schemas.openxmlformats.org/presentationml/2006/main">
+  <p:cSld>
+    <p:spTree>
+      <p:nvGrpSpPr>
+        <p:cNvPr id="1" name=""/>
+        <p:cNvGrpSpPr/>
+        <p:nvPr/>
+      </p:nvGrpSpPr>
+      <p:grpSpPr>
+        <a:xfrm>
+          <a:off x="0" y="0"/>
+          <a:ext cx="0" cy="0"/>
+          <a:chOff x="0" y="0"/>
+          <a:chExt cx="0" cy="0"/>
+        </a:xfrm>
+      </p:grpSpPr>
+      <p:sp>
+        <p:nvSpPr>
+          <p:cNvPr id="2" name="Title 1">
+            <a:extLst>
+              <a:ext uri="{FF2B5EF4-FFF2-40B4-BE49-F238E27FC236}">
+                <a16:creationId xmlns:a16="http://schemas.microsoft.com/office/drawing/2014/main" id="{E95FF63F-C49F-F9BD-1AE9-0F1781E7FD2F}"/>
+              </a:ext>
+            </a:extLst>
+          </p:cNvPr>
+          <p:cNvSpPr>
+            <a:spLocks noGrp="1"/>
+          </p:cNvSpPr>
+          <p:nvPr>
+            <p:ph type="title"/>
+          </p:nvPr>
+        </p:nvSpPr>
+        <p:spPr/>
+        <p:txBody>
+          <a:bodyPr/>
+          <a:lstStyle/>
+          <a:p>
+            <a:r>
+              <a:rPr lang="en-US" dirty="0">
+                <a:solidFill>
+                  <a:srgbClr val="C00000"/>
+                </a:solidFill>
+              </a:rPr>
+              <a:t>Case Study</a:t>
+            </a:r>
+            <a:endParaRPr lang="en-US" dirty="0"/>
+          </a:p>
+        </p:txBody>
+      </p:sp>
+      <p:pic>
+        <p:nvPicPr>
+          <p:cNvPr id="11" name="Picture 10">
+            <a:extLst>
+              <a:ext uri="{FF2B5EF4-FFF2-40B4-BE49-F238E27FC236}">
+                <a16:creationId xmlns:a16="http://schemas.microsoft.com/office/drawing/2014/main" id="{84CE8A9D-A284-5F58-36D4-F7BFA10CCC8A}"/>
+              </a:ext>
+            </a:extLst>
+          </p:cNvPr>
+          <p:cNvPicPr>
+            <a:picLocks noChangeAspect="1"/>
+          </p:cNvPicPr>
+          <p:nvPr/>
+        </p:nvPicPr>
+        <p:blipFill>
+          <a:blip r:embed="rId2">
+            <a:extLst>
+              <a:ext uri="{28A0092B-C50C-407E-A947-70E740481C1C}">
+                <a14:useLocalDpi xmlns:a14="http://schemas.microsoft.com/office/drawing/2010/main" val="0"/>
+              </a:ext>
+            </a:extLst>
+          </a:blip>
+          <a:stretch>
+            <a:fillRect/>
+          </a:stretch>
+        </p:blipFill>
+        <p:spPr>
+          <a:xfrm>
+            <a:off x="5656909" y="2904693"/>
+            <a:ext cx="4009285" cy="3341071"/>
+          </a:xfrm>
+          <a:prstGeom prst="rect">
+            <a:avLst/>
+          </a:prstGeom>
+        </p:spPr>
+      </p:pic>
+      <p:pic>
+        <p:nvPicPr>
+          <p:cNvPr id="9" name="Content Placeholder 8">
+            <a:extLst>
+              <a:ext uri="{FF2B5EF4-FFF2-40B4-BE49-F238E27FC236}">
+                <a16:creationId xmlns:a16="http://schemas.microsoft.com/office/drawing/2014/main" id="{CDEF6AEE-CEB2-C0DE-E5F5-632EDD8D702F}"/>
+              </a:ext>
+            </a:extLst>
+          </p:cNvPr>
+          <p:cNvPicPr>
+            <a:picLocks noGrp="1" noChangeAspect="1"/>
+          </p:cNvPicPr>
+          <p:nvPr>
+            <p:ph idx="1"/>
+          </p:nvPr>
+        </p:nvPicPr>
+        <p:blipFill>
+          <a:blip r:embed="rId3">
+            <a:extLst>
+              <a:ext uri="{28A0092B-C50C-407E-A947-70E740481C1C}">
+                <a14:useLocalDpi xmlns:a14="http://schemas.microsoft.com/office/drawing/2010/main" val="0"/>
+              </a:ext>
+            </a:extLst>
+          </a:blip>
+          <a:stretch>
+            <a:fillRect/>
+          </a:stretch>
+        </p:blipFill>
+        <p:spPr>
+          <a:xfrm>
+            <a:off x="9191065" y="2754377"/>
+            <a:ext cx="2418229" cy="3587916"/>
+          </a:xfrm>
+        </p:spPr>
+      </p:pic>
+      <p:sp>
+        <p:nvSpPr>
+          <p:cNvPr id="12" name="Content Placeholder 2">
+            <a:extLst>
+              <a:ext uri="{FF2B5EF4-FFF2-40B4-BE49-F238E27FC236}">
+                <a16:creationId xmlns:a16="http://schemas.microsoft.com/office/drawing/2014/main" id="{1B43BF84-3D3C-F4AB-27A8-D9D54DD1896F}"/>
+              </a:ext>
+            </a:extLst>
+          </p:cNvPr>
+          <p:cNvSpPr txBox="1">
+            <a:spLocks/>
+          </p:cNvSpPr>
+          <p:nvPr/>
+        </p:nvSpPr>
+        <p:spPr>
+          <a:xfrm>
+            <a:off x="838200" y="1825625"/>
+            <a:ext cx="5858435" cy="4667250"/>
+          </a:xfrm>
+          <a:prstGeom prst="rect">
+            <a:avLst/>
+          </a:prstGeom>
+        </p:spPr>
+        <p:txBody>
+          <a:bodyPr vert="horz" lIns="91440" tIns="45720" rIns="91440" bIns="45720" rtlCol="0">
+            <a:normAutofit/>
+          </a:bodyPr>
+          <a:lstStyle>
+            <a:lvl1pPr marL="228600" indent="-228600" algn="l" defTabSz="914400" rtl="0" eaLnBrk="1" latinLnBrk="0" hangingPunct="1">
+              <a:lnSpc>
+                <a:spcPct val="90000"/>
+              </a:lnSpc>
+              <a:spcBef>
+                <a:spcPts val="1000"/>
+              </a:spcBef>
+              <a:buFont typeface="Arial" panose="020B0604020202020204" pitchFamily="34" charset="0"/>
+              <a:buChar char="•"/>
+              <a:defRPr sz="2800" kern="1200">
+                <a:solidFill>
+                  <a:schemeClr val="tx1"/>
+                </a:solidFill>
+                <a:latin typeface="+mn-lt"/>
+                <a:ea typeface="+mn-ea"/>
+                <a:cs typeface="+mn-cs"/>
+              </a:defRPr>
+            </a:lvl1pPr>
+            <a:lvl2pPr marL="685800" indent="-228600" algn="l" defTabSz="914400" rtl="0" eaLnBrk="1" latinLnBrk="0" hangingPunct="1">
+              <a:lnSpc>
+                <a:spcPct val="90000"/>
+              </a:lnSpc>
+              <a:spcBef>
+                <a:spcPts val="500"/>
+              </a:spcBef>
+              <a:buFont typeface="Arial" panose="020B0604020202020204" pitchFamily="34" charset="0"/>
+              <a:buChar char="•"/>
+              <a:defRPr sz="2400" kern="1200">
+                <a:solidFill>
+                  <a:schemeClr val="tx1"/>
+                </a:solidFill>
+                <a:latin typeface="+mn-lt"/>
+                <a:ea typeface="+mn-ea"/>
+                <a:cs typeface="+mn-cs"/>
+              </a:defRPr>
+            </a:lvl2pPr>
+            <a:lvl3pPr marL="1143000" indent="-228600" algn="l" defTabSz="914400" rtl="0" eaLnBrk="1" latinLnBrk="0" hangingPunct="1">
+              <a:lnSpc>
+                <a:spcPct val="90000"/>
+              </a:lnSpc>
+              <a:spcBef>
+                <a:spcPts val="500"/>
+              </a:spcBef>
+              <a:buFont typeface="Arial" panose="020B0604020202020204" pitchFamily="34" charset="0"/>
+              <a:buChar char="•"/>
+              <a:defRPr sz="2000" kern="1200">
+                <a:solidFill>
+                  <a:schemeClr val="tx1"/>
+                </a:solidFill>
+                <a:latin typeface="+mn-lt"/>
+                <a:ea typeface="+mn-ea"/>
+                <a:cs typeface="+mn-cs"/>
+              </a:defRPr>
+            </a:lvl3pPr>
+            <a:lvl4pPr marL="1600200" indent="-228600" algn="l" defTabSz="914400" rtl="0" eaLnBrk="1" latinLnBrk="0" hangingPunct="1">
+              <a:lnSpc>
+                <a:spcPct val="90000"/>
+              </a:lnSpc>
+              <a:spcBef>
+                <a:spcPts val="500"/>
+              </a:spcBef>
+              <a:buFont typeface="Arial" panose="020B0604020202020204" pitchFamily="34" charset="0"/>
+              <a:buChar char="•"/>
+              <a:defRPr sz="1800" kern="1200">
+                <a:solidFill>
+                  <a:schemeClr val="tx1"/>
+                </a:solidFill>
+                <a:latin typeface="+mn-lt"/>
+                <a:ea typeface="+mn-ea"/>
+                <a:cs typeface="+mn-cs"/>
+              </a:defRPr>
+            </a:lvl4pPr>
+            <a:lvl5pPr marL="2057400" indent="-228600" algn="l" defTabSz="914400" rtl="0" eaLnBrk="1" latinLnBrk="0" hangingPunct="1">
+              <a:lnSpc>
+                <a:spcPct val="90000"/>
+              </a:lnSpc>
+              <a:spcBef>
+                <a:spcPts val="500"/>
+              </a:spcBef>
+              <a:buFont typeface="Arial" panose="020B0604020202020204" pitchFamily="34" charset="0"/>
+              <a:buChar char="•"/>
+              <a:defRPr sz="1800" kern="1200">
+                <a:solidFill>
+                  <a:schemeClr val="tx1"/>
+                </a:solidFill>
+                <a:latin typeface="+mn-lt"/>
+                <a:ea typeface="+mn-ea"/>
+                <a:cs typeface="+mn-cs"/>
+              </a:defRPr>
+            </a:lvl5pPr>
+            <a:lvl6pPr marL="2514600" indent="-228600" algn="l" defTabSz="914400" rtl="0" eaLnBrk="1" latinLnBrk="0" hangingPunct="1">
+              <a:lnSpc>
+                <a:spcPct val="90000"/>
+              </a:lnSpc>
+              <a:spcBef>
+                <a:spcPts val="500"/>
+              </a:spcBef>
+              <a:buFont typeface="Arial" panose="020B0604020202020204" pitchFamily="34" charset="0"/>
+              <a:buChar char="•"/>
+              <a:defRPr sz="1800" kern="1200">
+                <a:solidFill>
+                  <a:schemeClr val="tx1"/>
+                </a:solidFill>
+                <a:latin typeface="+mn-lt"/>
+                <a:ea typeface="+mn-ea"/>
+                <a:cs typeface="+mn-cs"/>
+              </a:defRPr>
+            </a:lvl6pPr>
+            <a:lvl7pPr marL="2971800" indent="-228600" algn="l" defTabSz="914400" rtl="0" eaLnBrk="1" latinLnBrk="0" hangingPunct="1">
+              <a:lnSpc>
+                <a:spcPct val="90000"/>
+              </a:lnSpc>
+              <a:spcBef>
+                <a:spcPts val="500"/>
+              </a:spcBef>
+              <a:buFont typeface="Arial" panose="020B0604020202020204" pitchFamily="34" charset="0"/>
+              <a:buChar char="•"/>
+              <a:defRPr sz="1800" kern="1200">
+                <a:solidFill>
+                  <a:schemeClr val="tx1"/>
+                </a:solidFill>
+                <a:latin typeface="+mn-lt"/>
+                <a:ea typeface="+mn-ea"/>
+                <a:cs typeface="+mn-cs"/>
+              </a:defRPr>
+            </a:lvl7pPr>
+            <a:lvl8pPr marL="3429000" indent="-228600" algn="l" defTabSz="914400" rtl="0" eaLnBrk="1" latinLnBrk="0" hangingPunct="1">
+              <a:lnSpc>
+                <a:spcPct val="90000"/>
+              </a:lnSpc>
+              <a:spcBef>
+                <a:spcPts val="500"/>
+              </a:spcBef>
+              <a:buFont typeface="Arial" panose="020B0604020202020204" pitchFamily="34" charset="0"/>
+              <a:buChar char="•"/>
+              <a:defRPr sz="1800" kern="1200">
+                <a:solidFill>
+                  <a:schemeClr val="tx1"/>
+                </a:solidFill>
+                <a:latin typeface="+mn-lt"/>
+                <a:ea typeface="+mn-ea"/>
+                <a:cs typeface="+mn-cs"/>
+              </a:defRPr>
+            </a:lvl8pPr>
+            <a:lvl9pPr marL="3886200" indent="-228600" algn="l" defTabSz="914400" rtl="0" eaLnBrk="1" latinLnBrk="0" hangingPunct="1">
+              <a:lnSpc>
+                <a:spcPct val="90000"/>
+              </a:lnSpc>
+              <a:spcBef>
+                <a:spcPts val="500"/>
+              </a:spcBef>
+              <a:buFont typeface="Arial" panose="020B0604020202020204" pitchFamily="34" charset="0"/>
+              <a:buChar char="•"/>
+              <a:defRPr sz="1800" kern="1200">
+                <a:solidFill>
+                  <a:schemeClr val="tx1"/>
+                </a:solidFill>
+                <a:latin typeface="+mn-lt"/>
+                <a:ea typeface="+mn-ea"/>
+                <a:cs typeface="+mn-cs"/>
+              </a:defRPr>
+            </a:lvl9pPr>
+          </a:lstStyle>
+          <a:p>
+            <a:r>
+              <a:rPr lang="en-US" dirty="0"/>
               <a:t>We could use the app until we see 1 million unique words, but that would take at least </a:t>
             </a:r>
             <a:r>
@@ -9778,7 +10368,7 @@
 </p:sld>
 </file>
 
-<file path=ppt/slides/slide21.xml><?xml version="1.0" encoding="utf-8"?>
+<file path=ppt/slides/slide22.xml><?xml version="1.0" encoding="utf-8"?>
 <p:sld xmlns:a="http://schemas.openxmlformats.org/drawingml/2006/main" xmlns:r="http://schemas.openxmlformats.org/officeDocument/2006/relationships" xmlns:p="http://schemas.openxmlformats.org/presentationml/2006/main">
   <p:cSld>
     <p:spTree>
@@ -10310,7 +10900,7 @@
 </p:sld>
 </file>
 
-<file path=ppt/slides/slide22.xml><?xml version="1.0" encoding="utf-8"?>
+<file path=ppt/slides/slide23.xml><?xml version="1.0" encoding="utf-8"?>
 <p:sld xmlns:a="http://schemas.openxmlformats.org/drawingml/2006/main" xmlns:r="http://schemas.openxmlformats.org/officeDocument/2006/relationships" xmlns:p="http://schemas.openxmlformats.org/presentationml/2006/main">
   <p:cSld>
     <p:spTree>
@@ -10932,7 +11522,7 @@
 </p:sld>
 </file>
 
-<file path=ppt/slides/slide23.xml><?xml version="1.0" encoding="utf-8"?>
+<file path=ppt/slides/slide24.xml><?xml version="1.0" encoding="utf-8"?>
 <p:sld xmlns:a="http://schemas.openxmlformats.org/drawingml/2006/main" xmlns:r="http://schemas.openxmlformats.org/officeDocument/2006/relationships" xmlns:p="http://schemas.openxmlformats.org/presentationml/2006/main">
   <p:cSld>
     <p:spTree>
@@ -11174,7 +11764,7 @@
 </p:sld>
 </file>
 
-<file path=ppt/slides/slide24.xml><?xml version="1.0" encoding="utf-8"?>
+<file path=ppt/slides/slide25.xml><?xml version="1.0" encoding="utf-8"?>
 <p:sld xmlns:a="http://schemas.openxmlformats.org/drawingml/2006/main" xmlns:r="http://schemas.openxmlformats.org/officeDocument/2006/relationships" xmlns:p="http://schemas.openxmlformats.org/presentationml/2006/main">
   <p:cSld>
     <p:spTree>
@@ -11931,7 +12521,7 @@
 </p:sld>
 </file>
 
-<file path=ppt/slides/slide25.xml><?xml version="1.0" encoding="utf-8"?>
+<file path=ppt/slides/slide26.xml><?xml version="1.0" encoding="utf-8"?>
 <p:sld xmlns:a="http://schemas.openxmlformats.org/drawingml/2006/main" xmlns:r="http://schemas.openxmlformats.org/officeDocument/2006/relationships" xmlns:p="http://schemas.openxmlformats.org/presentationml/2006/main">
   <p:cSld>
     <p:spTree>
@@ -13328,7 +13918,7 @@
 </p:sld>
 </file>
 
-<file path=ppt/slides/slide26.xml><?xml version="1.0" encoding="utf-8"?>
+<file path=ppt/slides/slide27.xml><?xml version="1.0" encoding="utf-8"?>
 <p:sld xmlns:a="http://schemas.openxmlformats.org/drawingml/2006/main" xmlns:r="http://schemas.openxmlformats.org/officeDocument/2006/relationships" xmlns:p="http://schemas.openxmlformats.org/presentationml/2006/main">
   <p:cSld>
     <p:spTree>
@@ -15348,7 +15938,7 @@
 </p:sld>
 </file>
 
-<file path=ppt/slides/slide27.xml><?xml version="1.0" encoding="utf-8"?>
+<file path=ppt/slides/slide28.xml><?xml version="1.0" encoding="utf-8"?>
 <p:sld xmlns:a="http://schemas.openxmlformats.org/drawingml/2006/main" xmlns:r="http://schemas.openxmlformats.org/officeDocument/2006/relationships" xmlns:p="http://schemas.openxmlformats.org/presentationml/2006/main">
   <p:cSld>
     <p:spTree>
@@ -17871,7 +18461,7 @@
 </p:sld>
 </file>
 
-<file path=ppt/slides/slide28.xml><?xml version="1.0" encoding="utf-8"?>
+<file path=ppt/slides/slide29.xml><?xml version="1.0" encoding="utf-8"?>
 <p:sld xmlns:a="http://schemas.openxmlformats.org/drawingml/2006/main" xmlns:r="http://schemas.openxmlformats.org/officeDocument/2006/relationships" xmlns:p="http://schemas.openxmlformats.org/presentationml/2006/main">
   <p:cSld>
     <p:spTree>
@@ -18436,511 +19026,6 @@
 </p:sld>
 </file>
 
-<file path=ppt/slides/slide29.xml><?xml version="1.0" encoding="utf-8"?>
-<p:sld xmlns:a="http://schemas.openxmlformats.org/drawingml/2006/main" xmlns:r="http://schemas.openxmlformats.org/officeDocument/2006/relationships" xmlns:p="http://schemas.openxmlformats.org/presentationml/2006/main">
-  <p:cSld>
-    <p:spTree>
-      <p:nvGrpSpPr>
-        <p:cNvPr id="1" name=""/>
-        <p:cNvGrpSpPr/>
-        <p:nvPr/>
-      </p:nvGrpSpPr>
-      <p:grpSpPr>
-        <a:xfrm>
-          <a:off x="0" y="0"/>
-          <a:ext cx="0" cy="0"/>
-          <a:chOff x="0" y="0"/>
-          <a:chExt cx="0" cy="0"/>
-        </a:xfrm>
-      </p:grpSpPr>
-      <p:sp>
-        <p:nvSpPr>
-          <p:cNvPr id="2" name="Title 1">
-            <a:extLst>
-              <a:ext uri="{FF2B5EF4-FFF2-40B4-BE49-F238E27FC236}">
-                <a16:creationId xmlns:a16="http://schemas.microsoft.com/office/drawing/2014/main" id="{A49DDC00-2744-B7F9-8394-609BE1AEC413}"/>
-              </a:ext>
-            </a:extLst>
-          </p:cNvPr>
-          <p:cNvSpPr>
-            <a:spLocks noGrp="1"/>
-          </p:cNvSpPr>
-          <p:nvPr>
-            <p:ph type="title"/>
-          </p:nvPr>
-        </p:nvSpPr>
-        <p:spPr/>
-        <p:txBody>
-          <a:bodyPr/>
-          <a:lstStyle/>
-          <a:p>
-            <a:r>
-              <a:rPr lang="en-US" dirty="0">
-                <a:solidFill>
-                  <a:srgbClr val="C00000"/>
-                </a:solidFill>
-              </a:rPr>
-              <a:t>Birthday Paradox</a:t>
-            </a:r>
-            <a:endParaRPr lang="en-US" dirty="0"/>
-          </a:p>
-        </p:txBody>
-      </p:sp>
-      <mc:AlternateContent xmlns:mc="http://schemas.openxmlformats.org/markup-compatibility/2006" xmlns:a14="http://schemas.microsoft.com/office/drawing/2010/main">
-        <mc:Choice Requires="a14">
-          <p:sp>
-            <p:nvSpPr>
-              <p:cNvPr id="3" name="Content Placeholder 2">
-                <a:extLst>
-                  <a:ext uri="{FF2B5EF4-FFF2-40B4-BE49-F238E27FC236}">
-                    <a16:creationId xmlns:a16="http://schemas.microsoft.com/office/drawing/2014/main" id="{6666941B-6AAA-DFD0-8896-ACB1B4FE2AC6}"/>
-                  </a:ext>
-                </a:extLst>
-              </p:cNvPr>
-              <p:cNvSpPr>
-                <a:spLocks noGrp="1"/>
-              </p:cNvSpPr>
-              <p:nvPr>
-                <p:ph idx="1"/>
-              </p:nvPr>
-            </p:nvSpPr>
-            <p:spPr>
-              <a:xfrm>
-                <a:off x="838200" y="1825625"/>
-                <a:ext cx="10515600" cy="4667250"/>
-              </a:xfrm>
-            </p:spPr>
-            <p:txBody>
-              <a:bodyPr>
-                <a:normAutofit/>
-              </a:bodyPr>
-              <a:lstStyle/>
-              <a:p>
-                <a:pPr>
-                  <a:buClr>
-                    <a:schemeClr val="tx1"/>
-                  </a:buClr>
-                </a:pPr>
-                <a:r>
-                  <a:rPr lang="en-US" dirty="0"/>
-                  <a:t>Suppose we have a fair </a:t>
-                </a:r>
-                <a14:m>
-                  <m:oMath xmlns:m="http://schemas.openxmlformats.org/officeDocument/2006/math">
-                    <m:r>
-                      <a:rPr lang="en-US" i="1" dirty="0">
-                        <a:solidFill>
-                          <a:srgbClr val="C00000"/>
-                        </a:solidFill>
-                        <a:latin typeface="Cambria Math" panose="02040503050406030204" pitchFamily="18" charset="0"/>
-                      </a:rPr>
-                      <m:t>𝑛</m:t>
-                    </m:r>
-                  </m:oMath>
-                </a14:m>
-                <a:r>
-                  <a:rPr lang="en-US" dirty="0"/>
-                  <a:t>-sided die that we roll </a:t>
-                </a:r>
-                <a14:m>
-                  <m:oMath xmlns:m="http://schemas.openxmlformats.org/officeDocument/2006/math">
-                    <m:r>
-                      <a:rPr lang="en-US" b="0" i="1" dirty="0" smtClean="0">
-                        <a:solidFill>
-                          <a:srgbClr val="C00000"/>
-                        </a:solidFill>
-                        <a:latin typeface="Cambria Math" panose="02040503050406030204" pitchFamily="18" charset="0"/>
-                      </a:rPr>
-                      <m:t>𝑘</m:t>
-                    </m:r>
-                    <m:r>
-                      <a:rPr lang="en-US" b="0" i="0" dirty="0" smtClean="0">
-                        <a:solidFill>
-                          <a:srgbClr val="C00000"/>
-                        </a:solidFill>
-                        <a:latin typeface="Cambria Math" panose="02040503050406030204" pitchFamily="18" charset="0"/>
-                      </a:rPr>
-                      <m:t>=</m:t>
-                    </m:r>
-                    <m:r>
-                      <a:rPr lang="en-US" i="1" dirty="0">
-                        <a:solidFill>
-                          <a:srgbClr val="C00000"/>
-                        </a:solidFill>
-                        <a:latin typeface="Cambria Math" panose="02040503050406030204" pitchFamily="18" charset="0"/>
-                      </a:rPr>
-                      <m:t>1</m:t>
-                    </m:r>
-                    <m:r>
-                      <m:rPr>
-                        <m:nor/>
-                      </m:rPr>
-                      <a:rPr lang="en-US" dirty="0"/>
-                      <m:t>,</m:t>
-                    </m:r>
-                    <m:r>
-                      <m:rPr>
-                        <m:nor/>
-                      </m:rPr>
-                      <a:rPr lang="en-US" dirty="0" smtClean="0"/>
-                      <m:t> </m:t>
-                    </m:r>
-                    <m:r>
-                      <a:rPr lang="en-US" b="0" i="1" dirty="0" smtClean="0">
-                        <a:solidFill>
-                          <a:srgbClr val="C00000"/>
-                        </a:solidFill>
-                        <a:latin typeface="Cambria Math" panose="02040503050406030204" pitchFamily="18" charset="0"/>
-                      </a:rPr>
-                      <m:t>2</m:t>
-                    </m:r>
-                    <m:r>
-                      <m:rPr>
-                        <m:nor/>
-                      </m:rPr>
-                      <a:rPr lang="en-US" dirty="0"/>
-                      <m:t>, </m:t>
-                    </m:r>
-                    <m:r>
-                      <a:rPr lang="en-US" b="0" i="1" dirty="0" smtClean="0">
-                        <a:solidFill>
-                          <a:srgbClr val="C00000"/>
-                        </a:solidFill>
-                        <a:latin typeface="Cambria Math" panose="02040503050406030204" pitchFamily="18" charset="0"/>
-                      </a:rPr>
-                      <m:t>3</m:t>
-                    </m:r>
-                    <m:r>
-                      <m:rPr>
-                        <m:nor/>
-                      </m:rPr>
-                      <a:rPr lang="en-US" dirty="0"/>
-                      <m:t>, </m:t>
-                    </m:r>
-                    <m:r>
-                      <a:rPr lang="en-US" i="1" dirty="0">
-                        <a:solidFill>
-                          <a:srgbClr val="C00000"/>
-                        </a:solidFill>
-                        <a:latin typeface="Cambria Math" panose="02040503050406030204" pitchFamily="18" charset="0"/>
-                      </a:rPr>
-                      <m:t>4</m:t>
-                    </m:r>
-                    <m:r>
-                      <m:rPr>
-                        <m:nor/>
-                      </m:rPr>
-                      <a:rPr lang="en-US" dirty="0"/>
-                      <m:t>,</m:t>
-                    </m:r>
-                    <m:r>
-                      <m:rPr>
-                        <m:nor/>
-                      </m:rPr>
-                      <a:rPr lang="en-US" b="0" i="0" dirty="0" smtClean="0"/>
-                      <m:t>...</m:t>
-                    </m:r>
-                  </m:oMath>
-                </a14:m>
-                <a:r>
-                  <a:rPr lang="en-US" dirty="0"/>
-                  <a:t> times. What is the expected number of pairwise collisions among the rolls?</a:t>
-                </a:r>
-              </a:p>
-              <a:p>
-                <a:pPr>
-                  <a:buClr>
-                    <a:schemeClr val="tx1"/>
-                  </a:buClr>
-                </a:pPr>
-                <a:endParaRPr lang="en-US" dirty="0"/>
-              </a:p>
-              <a:p>
-                <a:pPr>
-                  <a:buClr>
-                    <a:schemeClr val="tx1"/>
-                  </a:buClr>
-                </a:pPr>
-                <a:endParaRPr lang="en-US" dirty="0"/>
-              </a:p>
-              <a:p>
-                <a:r>
-                  <a:rPr lang="en-US" dirty="0"/>
-                  <a:t>Let </a:t>
-                </a:r>
-                <a14:m>
-                  <m:oMath xmlns:m="http://schemas.openxmlformats.org/officeDocument/2006/math">
-                    <m:sSub>
-                      <m:sSubPr>
-                        <m:ctrlPr>
-                          <a:rPr lang="en-US" sz="2800" b="0" i="1" dirty="0" smtClean="0">
-                            <a:solidFill>
-                              <a:srgbClr val="C00000"/>
-                            </a:solidFill>
-                            <a:latin typeface="Cambria Math" panose="02040503050406030204" pitchFamily="18" charset="0"/>
-                          </a:rPr>
-                        </m:ctrlPr>
-                      </m:sSubPr>
-                      <m:e>
-                        <m:r>
-                          <a:rPr lang="en-US" sz="2800" i="1" dirty="0" smtClean="0">
-                            <a:solidFill>
-                              <a:srgbClr val="C00000"/>
-                            </a:solidFill>
-                            <a:latin typeface="Cambria Math" panose="02040503050406030204" pitchFamily="18" charset="0"/>
-                          </a:rPr>
-                          <m:t>𝑋</m:t>
-                        </m:r>
-                      </m:e>
-                      <m:sub>
-                        <m:r>
-                          <a:rPr lang="en-US" sz="2800" b="0" i="1" dirty="0" smtClean="0">
-                            <a:solidFill>
-                              <a:srgbClr val="C00000"/>
-                            </a:solidFill>
-                            <a:latin typeface="Cambria Math" panose="02040503050406030204" pitchFamily="18" charset="0"/>
-                          </a:rPr>
-                          <m:t>𝑖</m:t>
-                        </m:r>
-                      </m:sub>
-                    </m:sSub>
-                  </m:oMath>
-                </a14:m>
-                <a:r>
-                  <a:rPr lang="en-US" sz="2800" dirty="0"/>
-                  <a:t> be the number of pairwise collisions on the </a:t>
-                </a:r>
-                <a14:m>
-                  <m:oMath xmlns:m="http://schemas.openxmlformats.org/officeDocument/2006/math">
-                    <m:r>
-                      <a:rPr lang="en-US" b="0" i="1" dirty="0" smtClean="0">
-                        <a:solidFill>
-                          <a:srgbClr val="C00000"/>
-                        </a:solidFill>
-                        <a:latin typeface="Cambria Math" panose="02040503050406030204" pitchFamily="18" charset="0"/>
-                      </a:rPr>
-                      <m:t>𝑖</m:t>
-                    </m:r>
-                  </m:oMath>
-                </a14:m>
-                <a:r>
-                  <a:rPr lang="en-US" dirty="0"/>
-                  <a:t>-</a:t>
-                </a:r>
-                <a:r>
-                  <a:rPr lang="en-US" dirty="0" err="1"/>
-                  <a:t>th</a:t>
-                </a:r>
-                <a:r>
-                  <a:rPr lang="en-US" dirty="0"/>
-                  <a:t> roll</a:t>
-                </a:r>
-              </a:p>
-              <a:p>
-                <a:endParaRPr lang="en-US" dirty="0"/>
-              </a:p>
-              <a:p>
-                <a:endParaRPr lang="en-US" dirty="0"/>
-              </a:p>
-              <a:p>
-                <a:r>
-                  <a:rPr lang="en-US" dirty="0"/>
-                  <a:t>We have </a:t>
-                </a:r>
-                <a14:m>
-                  <m:oMath xmlns:m="http://schemas.openxmlformats.org/officeDocument/2006/math">
-                    <m:r>
-                      <m:rPr>
-                        <m:sty m:val="p"/>
-                      </m:rPr>
-                      <a:rPr lang="en-US" sz="2800" b="0" i="0" dirty="0" smtClean="0">
-                        <a:solidFill>
-                          <a:srgbClr val="C00000"/>
-                        </a:solidFill>
-                        <a:latin typeface="Cambria Math" panose="02040503050406030204" pitchFamily="18" charset="0"/>
-                      </a:rPr>
-                      <m:t>E</m:t>
-                    </m:r>
-                    <m:d>
-                      <m:dPr>
-                        <m:begChr m:val="["/>
-                        <m:endChr m:val="]"/>
-                        <m:ctrlPr>
-                          <a:rPr lang="en-US" sz="2800" b="0" i="1" dirty="0" smtClean="0">
-                            <a:solidFill>
-                              <a:srgbClr val="C00000"/>
-                            </a:solidFill>
-                            <a:latin typeface="Cambria Math" panose="02040503050406030204" pitchFamily="18" charset="0"/>
-                          </a:rPr>
-                        </m:ctrlPr>
-                      </m:dPr>
-                      <m:e>
-                        <m:sSub>
-                          <m:sSubPr>
-                            <m:ctrlPr>
-                              <a:rPr lang="en-US" i="1" dirty="0">
-                                <a:solidFill>
-                                  <a:srgbClr val="C00000"/>
-                                </a:solidFill>
-                                <a:latin typeface="Cambria Math" panose="02040503050406030204" pitchFamily="18" charset="0"/>
-                              </a:rPr>
-                            </m:ctrlPr>
-                          </m:sSubPr>
-                          <m:e>
-                            <m:r>
-                              <a:rPr lang="en-US" i="1" dirty="0">
-                                <a:solidFill>
-                                  <a:srgbClr val="C00000"/>
-                                </a:solidFill>
-                                <a:latin typeface="Cambria Math" panose="02040503050406030204" pitchFamily="18" charset="0"/>
-                              </a:rPr>
-                              <m:t>𝑋</m:t>
-                            </m:r>
-                          </m:e>
-                          <m:sub>
-                            <m:r>
-                              <a:rPr lang="en-US" i="1" dirty="0">
-                                <a:solidFill>
-                                  <a:srgbClr val="C00000"/>
-                                </a:solidFill>
-                                <a:latin typeface="Cambria Math" panose="02040503050406030204" pitchFamily="18" charset="0"/>
-                              </a:rPr>
-                              <m:t>𝑖</m:t>
-                            </m:r>
-                          </m:sub>
-                        </m:sSub>
-                      </m:e>
-                    </m:d>
-                    <m:r>
-                      <a:rPr lang="en-US" b="0" i="0" dirty="0" smtClean="0">
-                        <a:solidFill>
-                          <a:srgbClr val="C00000"/>
-                        </a:solidFill>
-                        <a:latin typeface="Cambria Math" panose="02040503050406030204" pitchFamily="18" charset="0"/>
-                      </a:rPr>
-                      <m:t>=</m:t>
-                    </m:r>
-                    <m:f>
-                      <m:fPr>
-                        <m:ctrlPr>
-                          <a:rPr lang="en-US" b="0" i="1" dirty="0" smtClean="0">
-                            <a:solidFill>
-                              <a:srgbClr val="C00000"/>
-                            </a:solidFill>
-                            <a:latin typeface="Cambria Math" panose="02040503050406030204" pitchFamily="18" charset="0"/>
-                          </a:rPr>
-                        </m:ctrlPr>
-                      </m:fPr>
-                      <m:num>
-                        <m:r>
-                          <a:rPr lang="en-US" b="0" i="1" dirty="0" smtClean="0">
-                            <a:solidFill>
-                              <a:srgbClr val="C00000"/>
-                            </a:solidFill>
-                            <a:latin typeface="Cambria Math" panose="02040503050406030204" pitchFamily="18" charset="0"/>
-                          </a:rPr>
-                          <m:t>𝑖</m:t>
-                        </m:r>
-                        <m:r>
-                          <a:rPr lang="en-US" b="0" i="1" dirty="0" smtClean="0">
-                            <a:solidFill>
-                              <a:srgbClr val="C00000"/>
-                            </a:solidFill>
-                            <a:latin typeface="Cambria Math" panose="02040503050406030204" pitchFamily="18" charset="0"/>
-                          </a:rPr>
-                          <m:t>−1</m:t>
-                        </m:r>
-                      </m:num>
-                      <m:den>
-                        <m:r>
-                          <a:rPr lang="en-US" b="0" i="1" dirty="0" smtClean="0">
-                            <a:solidFill>
-                              <a:srgbClr val="C00000"/>
-                            </a:solidFill>
-                            <a:latin typeface="Cambria Math" panose="02040503050406030204" pitchFamily="18" charset="0"/>
-                          </a:rPr>
-                          <m:t>𝑛</m:t>
-                        </m:r>
-                      </m:den>
-                    </m:f>
-                  </m:oMath>
-                </a14:m>
-                <a:endParaRPr lang="en-US" dirty="0"/>
-              </a:p>
-              <a:p>
-                <a:pPr marL="0" indent="0">
-                  <a:buNone/>
-                </a:pPr>
-                <a:endParaRPr lang="en-US" sz="2800" dirty="0"/>
-              </a:p>
-              <a:p>
-                <a:pPr>
-                  <a:buClr>
-                    <a:schemeClr val="tx1"/>
-                  </a:buClr>
-                </a:pPr>
-                <a:endParaRPr lang="en-US" dirty="0"/>
-              </a:p>
-            </p:txBody>
-          </p:sp>
-        </mc:Choice>
-        <mc:Fallback xmlns="">
-          <p:sp>
-            <p:nvSpPr>
-              <p:cNvPr id="3" name="Content Placeholder 2">
-                <a:extLst>
-                  <a:ext uri="{FF2B5EF4-FFF2-40B4-BE49-F238E27FC236}">
-                    <a16:creationId xmlns:a16="http://schemas.microsoft.com/office/drawing/2014/main" id="{6666941B-6AAA-DFD0-8896-ACB1B4FE2AC6}"/>
-                  </a:ext>
-                </a:extLst>
-              </p:cNvPr>
-              <p:cNvSpPr>
-                <a:spLocks noGrp="1" noRot="1" noChangeAspect="1" noMove="1" noResize="1" noEditPoints="1" noAdjustHandles="1" noChangeArrowheads="1" noChangeShapeType="1" noTextEdit="1"/>
-              </p:cNvSpPr>
-              <p:nvPr>
-                <p:ph idx="1"/>
-              </p:nvPr>
-            </p:nvSpPr>
-            <p:spPr>
-              <a:xfrm>
-                <a:off x="838200" y="1825625"/>
-                <a:ext cx="10515600" cy="4667250"/>
-              </a:xfrm>
-              <a:blipFill>
-                <a:blip r:embed="rId2"/>
-                <a:stretch>
-                  <a:fillRect l="-1043" t="-2089" r="-580"/>
-                </a:stretch>
-              </a:blipFill>
-            </p:spPr>
-            <p:txBody>
-              <a:bodyPr/>
-              <a:lstStyle/>
-              <a:p>
-                <a:r>
-                  <a:rPr lang="en-US">
-                    <a:noFill/>
-                  </a:rPr>
-                  <a:t> </a:t>
-                </a:r>
-              </a:p>
-            </p:txBody>
-          </p:sp>
-        </mc:Fallback>
-      </mc:AlternateContent>
-    </p:spTree>
-    <p:extLst>
-      <p:ext uri="{BB962C8B-B14F-4D97-AF65-F5344CB8AC3E}">
-        <p14:creationId xmlns:p14="http://schemas.microsoft.com/office/powerpoint/2010/main" val="3461496192"/>
-      </p:ext>
-    </p:extLst>
-  </p:cSld>
-  <p:clrMapOvr>
-    <a:masterClrMapping/>
-  </p:clrMapOvr>
-</p:sld>
-</file>
-
 <file path=ppt/slides/slide3.xml><?xml version="1.0" encoding="utf-8"?>
 <p:sld xmlns:a="http://schemas.openxmlformats.org/drawingml/2006/main" xmlns:r="http://schemas.openxmlformats.org/officeDocument/2006/relationships" xmlns:p="http://schemas.openxmlformats.org/presentationml/2006/main">
   <p:cSld>
@@ -19146,6 +19231,511 @@
               </a:bodyPr>
               <a:lstStyle/>
               <a:p>
+                <a:pPr>
+                  <a:buClr>
+                    <a:schemeClr val="tx1"/>
+                  </a:buClr>
+                </a:pPr>
+                <a:r>
+                  <a:rPr lang="en-US" dirty="0"/>
+                  <a:t>Suppose we have a fair </a:t>
+                </a:r>
+                <a14:m>
+                  <m:oMath xmlns:m="http://schemas.openxmlformats.org/officeDocument/2006/math">
+                    <m:r>
+                      <a:rPr lang="en-US" i="1" dirty="0">
+                        <a:solidFill>
+                          <a:srgbClr val="C00000"/>
+                        </a:solidFill>
+                        <a:latin typeface="Cambria Math" panose="02040503050406030204" pitchFamily="18" charset="0"/>
+                      </a:rPr>
+                      <m:t>𝑛</m:t>
+                    </m:r>
+                  </m:oMath>
+                </a14:m>
+                <a:r>
+                  <a:rPr lang="en-US" dirty="0"/>
+                  <a:t>-sided die that we roll </a:t>
+                </a:r>
+                <a14:m>
+                  <m:oMath xmlns:m="http://schemas.openxmlformats.org/officeDocument/2006/math">
+                    <m:r>
+                      <a:rPr lang="en-US" b="0" i="1" dirty="0" smtClean="0">
+                        <a:solidFill>
+                          <a:srgbClr val="C00000"/>
+                        </a:solidFill>
+                        <a:latin typeface="Cambria Math" panose="02040503050406030204" pitchFamily="18" charset="0"/>
+                      </a:rPr>
+                      <m:t>𝑘</m:t>
+                    </m:r>
+                    <m:r>
+                      <a:rPr lang="en-US" b="0" i="0" dirty="0" smtClean="0">
+                        <a:solidFill>
+                          <a:srgbClr val="C00000"/>
+                        </a:solidFill>
+                        <a:latin typeface="Cambria Math" panose="02040503050406030204" pitchFamily="18" charset="0"/>
+                      </a:rPr>
+                      <m:t>=</m:t>
+                    </m:r>
+                    <m:r>
+                      <a:rPr lang="en-US" i="1" dirty="0">
+                        <a:solidFill>
+                          <a:srgbClr val="C00000"/>
+                        </a:solidFill>
+                        <a:latin typeface="Cambria Math" panose="02040503050406030204" pitchFamily="18" charset="0"/>
+                      </a:rPr>
+                      <m:t>1</m:t>
+                    </m:r>
+                    <m:r>
+                      <m:rPr>
+                        <m:nor/>
+                      </m:rPr>
+                      <a:rPr lang="en-US" dirty="0"/>
+                      <m:t>,</m:t>
+                    </m:r>
+                    <m:r>
+                      <m:rPr>
+                        <m:nor/>
+                      </m:rPr>
+                      <a:rPr lang="en-US" dirty="0" smtClean="0"/>
+                      <m:t> </m:t>
+                    </m:r>
+                    <m:r>
+                      <a:rPr lang="en-US" b="0" i="1" dirty="0" smtClean="0">
+                        <a:solidFill>
+                          <a:srgbClr val="C00000"/>
+                        </a:solidFill>
+                        <a:latin typeface="Cambria Math" panose="02040503050406030204" pitchFamily="18" charset="0"/>
+                      </a:rPr>
+                      <m:t>2</m:t>
+                    </m:r>
+                    <m:r>
+                      <m:rPr>
+                        <m:nor/>
+                      </m:rPr>
+                      <a:rPr lang="en-US" dirty="0"/>
+                      <m:t>, </m:t>
+                    </m:r>
+                    <m:r>
+                      <a:rPr lang="en-US" b="0" i="1" dirty="0" smtClean="0">
+                        <a:solidFill>
+                          <a:srgbClr val="C00000"/>
+                        </a:solidFill>
+                        <a:latin typeface="Cambria Math" panose="02040503050406030204" pitchFamily="18" charset="0"/>
+                      </a:rPr>
+                      <m:t>3</m:t>
+                    </m:r>
+                    <m:r>
+                      <m:rPr>
+                        <m:nor/>
+                      </m:rPr>
+                      <a:rPr lang="en-US" dirty="0"/>
+                      <m:t>, </m:t>
+                    </m:r>
+                    <m:r>
+                      <a:rPr lang="en-US" i="1" dirty="0">
+                        <a:solidFill>
+                          <a:srgbClr val="C00000"/>
+                        </a:solidFill>
+                        <a:latin typeface="Cambria Math" panose="02040503050406030204" pitchFamily="18" charset="0"/>
+                      </a:rPr>
+                      <m:t>4</m:t>
+                    </m:r>
+                    <m:r>
+                      <m:rPr>
+                        <m:nor/>
+                      </m:rPr>
+                      <a:rPr lang="en-US" dirty="0"/>
+                      <m:t>,</m:t>
+                    </m:r>
+                    <m:r>
+                      <m:rPr>
+                        <m:nor/>
+                      </m:rPr>
+                      <a:rPr lang="en-US" b="0" i="0" dirty="0" smtClean="0"/>
+                      <m:t>...</m:t>
+                    </m:r>
+                  </m:oMath>
+                </a14:m>
+                <a:r>
+                  <a:rPr lang="en-US" dirty="0"/>
+                  <a:t> times. What is the expected number of pairwise collisions among the rolls?</a:t>
+                </a:r>
+              </a:p>
+              <a:p>
+                <a:pPr>
+                  <a:buClr>
+                    <a:schemeClr val="tx1"/>
+                  </a:buClr>
+                </a:pPr>
+                <a:endParaRPr lang="en-US" dirty="0"/>
+              </a:p>
+              <a:p>
+                <a:pPr>
+                  <a:buClr>
+                    <a:schemeClr val="tx1"/>
+                  </a:buClr>
+                </a:pPr>
+                <a:endParaRPr lang="en-US" dirty="0"/>
+              </a:p>
+              <a:p>
+                <a:r>
+                  <a:rPr lang="en-US" dirty="0"/>
+                  <a:t>Let </a:t>
+                </a:r>
+                <a14:m>
+                  <m:oMath xmlns:m="http://schemas.openxmlformats.org/officeDocument/2006/math">
+                    <m:sSub>
+                      <m:sSubPr>
+                        <m:ctrlPr>
+                          <a:rPr lang="en-US" sz="2800" b="0" i="1" dirty="0" smtClean="0">
+                            <a:solidFill>
+                              <a:srgbClr val="C00000"/>
+                            </a:solidFill>
+                            <a:latin typeface="Cambria Math" panose="02040503050406030204" pitchFamily="18" charset="0"/>
+                          </a:rPr>
+                        </m:ctrlPr>
+                      </m:sSubPr>
+                      <m:e>
+                        <m:r>
+                          <a:rPr lang="en-US" sz="2800" i="1" dirty="0" smtClean="0">
+                            <a:solidFill>
+                              <a:srgbClr val="C00000"/>
+                            </a:solidFill>
+                            <a:latin typeface="Cambria Math" panose="02040503050406030204" pitchFamily="18" charset="0"/>
+                          </a:rPr>
+                          <m:t>𝑋</m:t>
+                        </m:r>
+                      </m:e>
+                      <m:sub>
+                        <m:r>
+                          <a:rPr lang="en-US" sz="2800" b="0" i="1" dirty="0" smtClean="0">
+                            <a:solidFill>
+                              <a:srgbClr val="C00000"/>
+                            </a:solidFill>
+                            <a:latin typeface="Cambria Math" panose="02040503050406030204" pitchFamily="18" charset="0"/>
+                          </a:rPr>
+                          <m:t>𝑖</m:t>
+                        </m:r>
+                      </m:sub>
+                    </m:sSub>
+                  </m:oMath>
+                </a14:m>
+                <a:r>
+                  <a:rPr lang="en-US" sz="2800" dirty="0"/>
+                  <a:t> be the number of pairwise collisions on the </a:t>
+                </a:r>
+                <a14:m>
+                  <m:oMath xmlns:m="http://schemas.openxmlformats.org/officeDocument/2006/math">
+                    <m:r>
+                      <a:rPr lang="en-US" b="0" i="1" dirty="0" smtClean="0">
+                        <a:solidFill>
+                          <a:srgbClr val="C00000"/>
+                        </a:solidFill>
+                        <a:latin typeface="Cambria Math" panose="02040503050406030204" pitchFamily="18" charset="0"/>
+                      </a:rPr>
+                      <m:t>𝑖</m:t>
+                    </m:r>
+                  </m:oMath>
+                </a14:m>
+                <a:r>
+                  <a:rPr lang="en-US" dirty="0"/>
+                  <a:t>-</a:t>
+                </a:r>
+                <a:r>
+                  <a:rPr lang="en-US" dirty="0" err="1"/>
+                  <a:t>th</a:t>
+                </a:r>
+                <a:r>
+                  <a:rPr lang="en-US" dirty="0"/>
+                  <a:t> roll</a:t>
+                </a:r>
+              </a:p>
+              <a:p>
+                <a:endParaRPr lang="en-US" dirty="0"/>
+              </a:p>
+              <a:p>
+                <a:endParaRPr lang="en-US" dirty="0"/>
+              </a:p>
+              <a:p>
+                <a:r>
+                  <a:rPr lang="en-US" dirty="0"/>
+                  <a:t>We have </a:t>
+                </a:r>
+                <a14:m>
+                  <m:oMath xmlns:m="http://schemas.openxmlformats.org/officeDocument/2006/math">
+                    <m:r>
+                      <m:rPr>
+                        <m:sty m:val="p"/>
+                      </m:rPr>
+                      <a:rPr lang="en-US" sz="2800" b="0" i="0" dirty="0" smtClean="0">
+                        <a:solidFill>
+                          <a:srgbClr val="C00000"/>
+                        </a:solidFill>
+                        <a:latin typeface="Cambria Math" panose="02040503050406030204" pitchFamily="18" charset="0"/>
+                      </a:rPr>
+                      <m:t>E</m:t>
+                    </m:r>
+                    <m:d>
+                      <m:dPr>
+                        <m:begChr m:val="["/>
+                        <m:endChr m:val="]"/>
+                        <m:ctrlPr>
+                          <a:rPr lang="en-US" sz="2800" b="0" i="1" dirty="0" smtClean="0">
+                            <a:solidFill>
+                              <a:srgbClr val="C00000"/>
+                            </a:solidFill>
+                            <a:latin typeface="Cambria Math" panose="02040503050406030204" pitchFamily="18" charset="0"/>
+                          </a:rPr>
+                        </m:ctrlPr>
+                      </m:dPr>
+                      <m:e>
+                        <m:sSub>
+                          <m:sSubPr>
+                            <m:ctrlPr>
+                              <a:rPr lang="en-US" i="1" dirty="0">
+                                <a:solidFill>
+                                  <a:srgbClr val="C00000"/>
+                                </a:solidFill>
+                                <a:latin typeface="Cambria Math" panose="02040503050406030204" pitchFamily="18" charset="0"/>
+                              </a:rPr>
+                            </m:ctrlPr>
+                          </m:sSubPr>
+                          <m:e>
+                            <m:r>
+                              <a:rPr lang="en-US" i="1" dirty="0">
+                                <a:solidFill>
+                                  <a:srgbClr val="C00000"/>
+                                </a:solidFill>
+                                <a:latin typeface="Cambria Math" panose="02040503050406030204" pitchFamily="18" charset="0"/>
+                              </a:rPr>
+                              <m:t>𝑋</m:t>
+                            </m:r>
+                          </m:e>
+                          <m:sub>
+                            <m:r>
+                              <a:rPr lang="en-US" i="1" dirty="0">
+                                <a:solidFill>
+                                  <a:srgbClr val="C00000"/>
+                                </a:solidFill>
+                                <a:latin typeface="Cambria Math" panose="02040503050406030204" pitchFamily="18" charset="0"/>
+                              </a:rPr>
+                              <m:t>𝑖</m:t>
+                            </m:r>
+                          </m:sub>
+                        </m:sSub>
+                      </m:e>
+                    </m:d>
+                    <m:r>
+                      <a:rPr lang="en-US" b="0" i="0" dirty="0" smtClean="0">
+                        <a:solidFill>
+                          <a:srgbClr val="C00000"/>
+                        </a:solidFill>
+                        <a:latin typeface="Cambria Math" panose="02040503050406030204" pitchFamily="18" charset="0"/>
+                      </a:rPr>
+                      <m:t>=</m:t>
+                    </m:r>
+                    <m:f>
+                      <m:fPr>
+                        <m:ctrlPr>
+                          <a:rPr lang="en-US" b="0" i="1" dirty="0" smtClean="0">
+                            <a:solidFill>
+                              <a:srgbClr val="C00000"/>
+                            </a:solidFill>
+                            <a:latin typeface="Cambria Math" panose="02040503050406030204" pitchFamily="18" charset="0"/>
+                          </a:rPr>
+                        </m:ctrlPr>
+                      </m:fPr>
+                      <m:num>
+                        <m:r>
+                          <a:rPr lang="en-US" b="0" i="1" dirty="0" smtClean="0">
+                            <a:solidFill>
+                              <a:srgbClr val="C00000"/>
+                            </a:solidFill>
+                            <a:latin typeface="Cambria Math" panose="02040503050406030204" pitchFamily="18" charset="0"/>
+                          </a:rPr>
+                          <m:t>𝑖</m:t>
+                        </m:r>
+                        <m:r>
+                          <a:rPr lang="en-US" b="0" i="1" dirty="0" smtClean="0">
+                            <a:solidFill>
+                              <a:srgbClr val="C00000"/>
+                            </a:solidFill>
+                            <a:latin typeface="Cambria Math" panose="02040503050406030204" pitchFamily="18" charset="0"/>
+                          </a:rPr>
+                          <m:t>−1</m:t>
+                        </m:r>
+                      </m:num>
+                      <m:den>
+                        <m:r>
+                          <a:rPr lang="en-US" b="0" i="1" dirty="0" smtClean="0">
+                            <a:solidFill>
+                              <a:srgbClr val="C00000"/>
+                            </a:solidFill>
+                            <a:latin typeface="Cambria Math" panose="02040503050406030204" pitchFamily="18" charset="0"/>
+                          </a:rPr>
+                          <m:t>𝑛</m:t>
+                        </m:r>
+                      </m:den>
+                    </m:f>
+                  </m:oMath>
+                </a14:m>
+                <a:endParaRPr lang="en-US" dirty="0"/>
+              </a:p>
+              <a:p>
+                <a:pPr marL="0" indent="0">
+                  <a:buNone/>
+                </a:pPr>
+                <a:endParaRPr lang="en-US" sz="2800" dirty="0"/>
+              </a:p>
+              <a:p>
+                <a:pPr>
+                  <a:buClr>
+                    <a:schemeClr val="tx1"/>
+                  </a:buClr>
+                </a:pPr>
+                <a:endParaRPr lang="en-US" dirty="0"/>
+              </a:p>
+            </p:txBody>
+          </p:sp>
+        </mc:Choice>
+        <mc:Fallback xmlns="">
+          <p:sp>
+            <p:nvSpPr>
+              <p:cNvPr id="3" name="Content Placeholder 2">
+                <a:extLst>
+                  <a:ext uri="{FF2B5EF4-FFF2-40B4-BE49-F238E27FC236}">
+                    <a16:creationId xmlns:a16="http://schemas.microsoft.com/office/drawing/2014/main" id="{6666941B-6AAA-DFD0-8896-ACB1B4FE2AC6}"/>
+                  </a:ext>
+                </a:extLst>
+              </p:cNvPr>
+              <p:cNvSpPr>
+                <a:spLocks noGrp="1" noRot="1" noChangeAspect="1" noMove="1" noResize="1" noEditPoints="1" noAdjustHandles="1" noChangeArrowheads="1" noChangeShapeType="1" noTextEdit="1"/>
+              </p:cNvSpPr>
+              <p:nvPr>
+                <p:ph idx="1"/>
+              </p:nvPr>
+            </p:nvSpPr>
+            <p:spPr>
+              <a:xfrm>
+                <a:off x="838200" y="1825625"/>
+                <a:ext cx="10515600" cy="4667250"/>
+              </a:xfrm>
+              <a:blipFill>
+                <a:blip r:embed="rId2"/>
+                <a:stretch>
+                  <a:fillRect l="-1043" t="-2089" r="-580"/>
+                </a:stretch>
+              </a:blipFill>
+            </p:spPr>
+            <p:txBody>
+              <a:bodyPr/>
+              <a:lstStyle/>
+              <a:p>
+                <a:r>
+                  <a:rPr lang="en-US">
+                    <a:noFill/>
+                  </a:rPr>
+                  <a:t> </a:t>
+                </a:r>
+              </a:p>
+            </p:txBody>
+          </p:sp>
+        </mc:Fallback>
+      </mc:AlternateContent>
+    </p:spTree>
+    <p:extLst>
+      <p:ext uri="{BB962C8B-B14F-4D97-AF65-F5344CB8AC3E}">
+        <p14:creationId xmlns:p14="http://schemas.microsoft.com/office/powerpoint/2010/main" val="3461496192"/>
+      </p:ext>
+    </p:extLst>
+  </p:cSld>
+  <p:clrMapOvr>
+    <a:masterClrMapping/>
+  </p:clrMapOvr>
+</p:sld>
+</file>
+
+<file path=ppt/slides/slide31.xml><?xml version="1.0" encoding="utf-8"?>
+<p:sld xmlns:a="http://schemas.openxmlformats.org/drawingml/2006/main" xmlns:r="http://schemas.openxmlformats.org/officeDocument/2006/relationships" xmlns:p="http://schemas.openxmlformats.org/presentationml/2006/main">
+  <p:cSld>
+    <p:spTree>
+      <p:nvGrpSpPr>
+        <p:cNvPr id="1" name=""/>
+        <p:cNvGrpSpPr/>
+        <p:nvPr/>
+      </p:nvGrpSpPr>
+      <p:grpSpPr>
+        <a:xfrm>
+          <a:off x="0" y="0"/>
+          <a:ext cx="0" cy="0"/>
+          <a:chOff x="0" y="0"/>
+          <a:chExt cx="0" cy="0"/>
+        </a:xfrm>
+      </p:grpSpPr>
+      <p:sp>
+        <p:nvSpPr>
+          <p:cNvPr id="2" name="Title 1">
+            <a:extLst>
+              <a:ext uri="{FF2B5EF4-FFF2-40B4-BE49-F238E27FC236}">
+                <a16:creationId xmlns:a16="http://schemas.microsoft.com/office/drawing/2014/main" id="{A49DDC00-2744-B7F9-8394-609BE1AEC413}"/>
+              </a:ext>
+            </a:extLst>
+          </p:cNvPr>
+          <p:cNvSpPr>
+            <a:spLocks noGrp="1"/>
+          </p:cNvSpPr>
+          <p:nvPr>
+            <p:ph type="title"/>
+          </p:nvPr>
+        </p:nvSpPr>
+        <p:spPr/>
+        <p:txBody>
+          <a:bodyPr/>
+          <a:lstStyle/>
+          <a:p>
+            <a:r>
+              <a:rPr lang="en-US" dirty="0">
+                <a:solidFill>
+                  <a:srgbClr val="C00000"/>
+                </a:solidFill>
+              </a:rPr>
+              <a:t>Birthday Paradox</a:t>
+            </a:r>
+            <a:endParaRPr lang="en-US" dirty="0"/>
+          </a:p>
+        </p:txBody>
+      </p:sp>
+      <mc:AlternateContent xmlns:mc="http://schemas.openxmlformats.org/markup-compatibility/2006" xmlns:a14="http://schemas.microsoft.com/office/drawing/2010/main">
+        <mc:Choice Requires="a14">
+          <p:sp>
+            <p:nvSpPr>
+              <p:cNvPr id="3" name="Content Placeholder 2">
+                <a:extLst>
+                  <a:ext uri="{FF2B5EF4-FFF2-40B4-BE49-F238E27FC236}">
+                    <a16:creationId xmlns:a16="http://schemas.microsoft.com/office/drawing/2014/main" id="{6666941B-6AAA-DFD0-8896-ACB1B4FE2AC6}"/>
+                  </a:ext>
+                </a:extLst>
+              </p:cNvPr>
+              <p:cNvSpPr>
+                <a:spLocks noGrp="1"/>
+              </p:cNvSpPr>
+              <p:nvPr>
+                <p:ph idx="1"/>
+              </p:nvPr>
+            </p:nvSpPr>
+            <p:spPr>
+              <a:xfrm>
+                <a:off x="838200" y="1825625"/>
+                <a:ext cx="10515600" cy="4667250"/>
+              </a:xfrm>
+            </p:spPr>
+            <p:txBody>
+              <a:bodyPr>
+                <a:normAutofit/>
+              </a:bodyPr>
+              <a:lstStyle/>
+              <a:p>
                 <a:r>
                   <a:rPr lang="en-US" dirty="0"/>
                   <a:t>Let </a:t>
@@ -19316,7 +19906,7 @@
 </p:sld>
 </file>
 
-<file path=ppt/slides/slide31.xml><?xml version="1.0" encoding="utf-8"?>
+<file path=ppt/slides/slide32.xml><?xml version="1.0" encoding="utf-8"?>
 <p:sld xmlns:a="http://schemas.openxmlformats.org/drawingml/2006/main" xmlns:r="http://schemas.openxmlformats.org/officeDocument/2006/relationships" xmlns:p="http://schemas.openxmlformats.org/presentationml/2006/main">
   <p:cSld>
     <p:spTree>
@@ -20338,7 +20928,7 @@
 </p:sld>
 </file>
 
-<file path=ppt/slides/slide32.xml><?xml version="1.0" encoding="utf-8"?>
+<file path=ppt/slides/slide33.xml><?xml version="1.0" encoding="utf-8"?>
 <p:sld xmlns:a="http://schemas.openxmlformats.org/drawingml/2006/main" xmlns:r="http://schemas.openxmlformats.org/officeDocument/2006/relationships" xmlns:p="http://schemas.openxmlformats.org/presentationml/2006/main">
   <p:cSld>
     <p:spTree>
@@ -21227,7 +21817,7 @@
 </p:sld>
 </file>
 
-<file path=ppt/slides/slide33.xml><?xml version="1.0" encoding="utf-8"?>
+<file path=ppt/slides/slide34.xml><?xml version="1.0" encoding="utf-8"?>
 <p:sld xmlns:a="http://schemas.openxmlformats.org/drawingml/2006/main" xmlns:r="http://schemas.openxmlformats.org/officeDocument/2006/relationships" xmlns:p="http://schemas.openxmlformats.org/presentationml/2006/main">
   <p:cSld>
     <p:spTree>
@@ -21796,7 +22386,7 @@
 </p:sld>
 </file>
 
-<file path=ppt/slides/slide34.xml><?xml version="1.0" encoding="utf-8"?>
+<file path=ppt/slides/slide35.xml><?xml version="1.0" encoding="utf-8"?>
 <p:sld xmlns:a="http://schemas.openxmlformats.org/drawingml/2006/main" xmlns:r="http://schemas.openxmlformats.org/officeDocument/2006/relationships" xmlns:p="http://schemas.openxmlformats.org/presentationml/2006/main">
   <p:cSld>
     <p:spTree>
@@ -22362,7 +22952,7 @@
 </p:sld>
 </file>
 
-<file path=ppt/slides/slide35.xml><?xml version="1.0" encoding="utf-8"?>
+<file path=ppt/slides/slide36.xml><?xml version="1.0" encoding="utf-8"?>
 <p:sld xmlns:a="http://schemas.openxmlformats.org/drawingml/2006/main" xmlns:r="http://schemas.openxmlformats.org/officeDocument/2006/relationships" xmlns:p="http://schemas.openxmlformats.org/presentationml/2006/main">
   <p:cSld>
     <p:spTree>
@@ -22691,7 +23281,7 @@
 </p:sld>
 </file>
 
-<file path=ppt/slides/slide36.xml><?xml version="1.0" encoding="utf-8"?>
+<file path=ppt/slides/slide37.xml><?xml version="1.0" encoding="utf-8"?>
 <p:sld xmlns:a="http://schemas.openxmlformats.org/drawingml/2006/main" xmlns:r="http://schemas.openxmlformats.org/officeDocument/2006/relationships" xmlns:p="http://schemas.openxmlformats.org/presentationml/2006/main">
   <p:cSld>
     <p:spTree>
@@ -23133,7 +23723,7 @@
 </p:sld>
 </file>
 
-<file path=ppt/slides/slide37.xml><?xml version="1.0" encoding="utf-8"?>
+<file path=ppt/slides/slide38.xml><?xml version="1.0" encoding="utf-8"?>
 <p:sld xmlns:a="http://schemas.openxmlformats.org/drawingml/2006/main" xmlns:r="http://schemas.openxmlformats.org/officeDocument/2006/relationships" xmlns:p="http://schemas.openxmlformats.org/presentationml/2006/main">
   <p:cSld>
     <p:spTree>
@@ -24904,7 +25494,7 @@
 </p:sld>
 </file>
 
-<file path=ppt/slides/slide38.xml><?xml version="1.0" encoding="utf-8"?>
+<file path=ppt/slides/slide39.xml><?xml version="1.0" encoding="utf-8"?>
 <p:sld xmlns:a="http://schemas.openxmlformats.org/drawingml/2006/main" xmlns:r="http://schemas.openxmlformats.org/officeDocument/2006/relationships" xmlns:p="http://schemas.openxmlformats.org/presentationml/2006/main">
   <p:cSld>
     <p:spTree>
@@ -25469,7 +26059,534 @@
 </p:sld>
 </file>
 
-<file path=ppt/slides/slide39.xml><?xml version="1.0" encoding="utf-8"?>
+<file path=ppt/slides/slide4.xml><?xml version="1.0" encoding="utf-8"?>
+<p:sld xmlns:a="http://schemas.openxmlformats.org/drawingml/2006/main" xmlns:r="http://schemas.openxmlformats.org/officeDocument/2006/relationships" xmlns:p="http://schemas.openxmlformats.org/presentationml/2006/main">
+  <p:cSld>
+    <p:spTree>
+      <p:nvGrpSpPr>
+        <p:cNvPr id="1" name=""/>
+        <p:cNvGrpSpPr/>
+        <p:nvPr/>
+      </p:nvGrpSpPr>
+      <p:grpSpPr>
+        <a:xfrm>
+          <a:off x="0" y="0"/>
+          <a:ext cx="0" cy="0"/>
+          <a:chOff x="0" y="0"/>
+          <a:chExt cx="0" cy="0"/>
+        </a:xfrm>
+      </p:grpSpPr>
+      <p:sp>
+        <p:nvSpPr>
+          <p:cNvPr id="2" name="Title 1">
+            <a:extLst>
+              <a:ext uri="{FF2B5EF4-FFF2-40B4-BE49-F238E27FC236}">
+                <a16:creationId xmlns:a16="http://schemas.microsoft.com/office/drawing/2014/main" id="{FCA5AC62-A5FD-2A5B-018F-859A378AA1D4}"/>
+              </a:ext>
+            </a:extLst>
+          </p:cNvPr>
+          <p:cNvSpPr>
+            <a:spLocks noGrp="1"/>
+          </p:cNvSpPr>
+          <p:nvPr>
+            <p:ph type="title"/>
+          </p:nvPr>
+        </p:nvSpPr>
+        <p:spPr/>
+        <p:txBody>
+          <a:bodyPr/>
+          <a:lstStyle/>
+          <a:p>
+            <a:r>
+              <a:rPr lang="en-US" dirty="0">
+                <a:solidFill>
+                  <a:srgbClr val="C00000"/>
+                </a:solidFill>
+              </a:rPr>
+              <a:t>Trivia Question #1 (Birthday Paradox)</a:t>
+            </a:r>
+          </a:p>
+        </p:txBody>
+      </p:sp>
+      <mc:AlternateContent xmlns:mc="http://schemas.openxmlformats.org/markup-compatibility/2006" xmlns:a14="http://schemas.microsoft.com/office/drawing/2010/main">
+        <mc:Choice Requires="a14">
+          <p:sp>
+            <p:nvSpPr>
+              <p:cNvPr id="3" name="Content Placeholder 2">
+                <a:extLst>
+                  <a:ext uri="{FF2B5EF4-FFF2-40B4-BE49-F238E27FC236}">
+                    <a16:creationId xmlns:a16="http://schemas.microsoft.com/office/drawing/2014/main" id="{76F2126B-4AA6-302B-7E5A-170FFAAB8BD1}"/>
+                  </a:ext>
+                </a:extLst>
+              </p:cNvPr>
+              <p:cNvSpPr>
+                <a:spLocks noGrp="1"/>
+              </p:cNvSpPr>
+              <p:nvPr>
+                <p:ph idx="1"/>
+              </p:nvPr>
+            </p:nvSpPr>
+            <p:spPr/>
+            <p:txBody>
+              <a:bodyPr/>
+              <a:lstStyle/>
+              <a:p>
+                <a:pPr>
+                  <a:buClr>
+                    <a:schemeClr val="tx1"/>
+                  </a:buClr>
+                </a:pPr>
+                <a:r>
+                  <a:rPr lang="en-US" dirty="0"/>
+                  <a:t>Suppose we have a fair </a:t>
+                </a:r>
+                <a14:m>
+                  <m:oMath xmlns:m="http://schemas.openxmlformats.org/officeDocument/2006/math">
+                    <m:r>
+                      <a:rPr lang="en-US" b="0" i="1" dirty="0" smtClean="0">
+                        <a:solidFill>
+                          <a:srgbClr val="C00000"/>
+                        </a:solidFill>
+                        <a:latin typeface="Cambria Math" panose="02040503050406030204" pitchFamily="18" charset="0"/>
+                      </a:rPr>
+                      <m:t>𝑛</m:t>
+                    </m:r>
+                  </m:oMath>
+                </a14:m>
+                <a:r>
+                  <a:rPr lang="en-US" dirty="0"/>
+                  <a:t>-sided die. How many times should we roll the die before the probability we see a repeated outcome among the rolls is at least </a:t>
+                </a:r>
+                <a14:m>
+                  <m:oMath xmlns:m="http://schemas.openxmlformats.org/officeDocument/2006/math">
+                    <m:f>
+                      <m:fPr>
+                        <m:ctrlPr>
+                          <a:rPr lang="en-US" b="0" i="1" dirty="0" smtClean="0">
+                            <a:solidFill>
+                              <a:srgbClr val="C00000"/>
+                            </a:solidFill>
+                            <a:latin typeface="Cambria Math" panose="02040503050406030204" pitchFamily="18" charset="0"/>
+                          </a:rPr>
+                        </m:ctrlPr>
+                      </m:fPr>
+                      <m:num>
+                        <m:r>
+                          <a:rPr lang="en-US" i="1" dirty="0">
+                            <a:solidFill>
+                              <a:srgbClr val="C00000"/>
+                            </a:solidFill>
+                            <a:latin typeface="Cambria Math" panose="02040503050406030204" pitchFamily="18" charset="0"/>
+                          </a:rPr>
+                          <m:t>1</m:t>
+                        </m:r>
+                      </m:num>
+                      <m:den>
+                        <m:r>
+                          <a:rPr lang="en-US" b="0" i="0" dirty="0" smtClean="0">
+                            <a:solidFill>
+                              <a:srgbClr val="C00000"/>
+                            </a:solidFill>
+                            <a:latin typeface="Cambria Math" panose="02040503050406030204" pitchFamily="18" charset="0"/>
+                          </a:rPr>
+                          <m:t>2</m:t>
+                        </m:r>
+                      </m:den>
+                    </m:f>
+                  </m:oMath>
+                </a14:m>
+                <a:r>
+                  <a:rPr lang="en-US" dirty="0"/>
+                  <a:t>? Example: </a:t>
+                </a:r>
+                <a14:m>
+                  <m:oMath xmlns:m="http://schemas.openxmlformats.org/officeDocument/2006/math">
+                    <m:r>
+                      <a:rPr lang="en-US" b="0" i="1" dirty="0" smtClean="0">
+                        <a:solidFill>
+                          <a:srgbClr val="C00000"/>
+                        </a:solidFill>
+                        <a:latin typeface="Cambria Math" panose="02040503050406030204" pitchFamily="18" charset="0"/>
+                      </a:rPr>
+                      <m:t>1</m:t>
+                    </m:r>
+                  </m:oMath>
+                </a14:m>
+                <a:r>
+                  <a:rPr lang="en-US" dirty="0"/>
+                  <a:t>, </a:t>
+                </a:r>
+                <a14:m>
+                  <m:oMath xmlns:m="http://schemas.openxmlformats.org/officeDocument/2006/math">
+                    <m:r>
+                      <a:rPr lang="en-US" b="0" i="1" dirty="0" smtClean="0">
+                        <a:solidFill>
+                          <a:srgbClr val="C00000"/>
+                        </a:solidFill>
+                        <a:latin typeface="Cambria Math" panose="02040503050406030204" pitchFamily="18" charset="0"/>
+                      </a:rPr>
+                      <m:t>5</m:t>
+                    </m:r>
+                  </m:oMath>
+                </a14:m>
+                <a:r>
+                  <a:rPr lang="en-US" dirty="0"/>
+                  <a:t>, </a:t>
+                </a:r>
+                <a14:m>
+                  <m:oMath xmlns:m="http://schemas.openxmlformats.org/officeDocument/2006/math">
+                    <m:r>
+                      <a:rPr lang="en-US" b="0" i="1" dirty="0" smtClean="0">
+                        <a:solidFill>
+                          <a:srgbClr val="C00000"/>
+                        </a:solidFill>
+                        <a:latin typeface="Cambria Math" panose="02040503050406030204" pitchFamily="18" charset="0"/>
+                      </a:rPr>
+                      <m:t>2</m:t>
+                    </m:r>
+                  </m:oMath>
+                </a14:m>
+                <a:r>
+                  <a:rPr lang="en-US" dirty="0"/>
+                  <a:t>, </a:t>
+                </a:r>
+                <a14:m>
+                  <m:oMath xmlns:m="http://schemas.openxmlformats.org/officeDocument/2006/math">
+                    <m:r>
+                      <a:rPr lang="en-US" b="0" i="1" dirty="0" smtClean="0">
+                        <a:solidFill>
+                          <a:srgbClr val="C00000"/>
+                        </a:solidFill>
+                        <a:latin typeface="Cambria Math" panose="02040503050406030204" pitchFamily="18" charset="0"/>
+                      </a:rPr>
+                      <m:t>4</m:t>
+                    </m:r>
+                  </m:oMath>
+                </a14:m>
+                <a:r>
+                  <a:rPr lang="en-US" dirty="0"/>
+                  <a:t>, </a:t>
+                </a:r>
+                <a14:m>
+                  <m:oMath xmlns:m="http://schemas.openxmlformats.org/officeDocument/2006/math">
+                    <m:r>
+                      <a:rPr lang="en-US" b="0" i="1" dirty="0" smtClean="0">
+                        <a:solidFill>
+                          <a:srgbClr val="0070C0"/>
+                        </a:solidFill>
+                        <a:latin typeface="Cambria Math" panose="02040503050406030204" pitchFamily="18" charset="0"/>
+                      </a:rPr>
+                      <m:t>5</m:t>
+                    </m:r>
+                  </m:oMath>
+                </a14:m>
+                <a:endParaRPr lang="en-US" dirty="0"/>
+              </a:p>
+              <a:p>
+                <a:pPr>
+                  <a:buClr>
+                    <a:schemeClr val="tx1"/>
+                  </a:buClr>
+                </a:pPr>
+                <a:endParaRPr lang="en-US" dirty="0"/>
+              </a:p>
+              <a:p>
+                <a:pPr>
+                  <a:buClr>
+                    <a:schemeClr val="tx1"/>
+                  </a:buClr>
+                </a:pPr>
+                <a14:m>
+                  <m:oMath xmlns:m="http://schemas.openxmlformats.org/officeDocument/2006/math">
+                    <m:r>
+                      <m:rPr>
+                        <m:sty m:val="p"/>
+                      </m:rPr>
+                      <a:rPr lang="en-US" b="0" i="0" dirty="0" smtClean="0">
+                        <a:solidFill>
+                          <a:srgbClr val="C00000"/>
+                        </a:solidFill>
+                        <a:latin typeface="Cambria Math" panose="02040503050406030204" pitchFamily="18" charset="0"/>
+                      </a:rPr>
+                      <m:t>Θ</m:t>
+                    </m:r>
+                    <m:r>
+                      <a:rPr lang="en-US" b="0" i="1" dirty="0" smtClean="0">
+                        <a:solidFill>
+                          <a:srgbClr val="C00000"/>
+                        </a:solidFill>
+                        <a:latin typeface="Cambria Math" panose="02040503050406030204" pitchFamily="18" charset="0"/>
+                      </a:rPr>
+                      <m:t>(1)</m:t>
+                    </m:r>
+                  </m:oMath>
+                </a14:m>
+                <a:endParaRPr lang="en-US" dirty="0"/>
+              </a:p>
+              <a:p>
+                <a:pPr>
+                  <a:buClr>
+                    <a:schemeClr val="tx1"/>
+                  </a:buClr>
+                </a:pPr>
+                <a14:m>
+                  <m:oMath xmlns:m="http://schemas.openxmlformats.org/officeDocument/2006/math">
+                    <m:r>
+                      <m:rPr>
+                        <m:sty m:val="p"/>
+                      </m:rPr>
+                      <a:rPr lang="en-US" dirty="0">
+                        <a:solidFill>
+                          <a:srgbClr val="C00000"/>
+                        </a:solidFill>
+                        <a:latin typeface="Cambria Math" panose="02040503050406030204" pitchFamily="18" charset="0"/>
+                      </a:rPr>
+                      <m:t>Θ</m:t>
+                    </m:r>
+                    <m:r>
+                      <a:rPr lang="en-US" b="0" i="1" dirty="0" smtClean="0">
+                        <a:solidFill>
+                          <a:srgbClr val="C00000"/>
+                        </a:solidFill>
+                        <a:latin typeface="Cambria Math" panose="02040503050406030204" pitchFamily="18" charset="0"/>
+                      </a:rPr>
+                      <m:t>(</m:t>
+                    </m:r>
+                    <m:func>
+                      <m:funcPr>
+                        <m:ctrlPr>
+                          <a:rPr lang="en-US" b="0" i="1" dirty="0" smtClean="0">
+                            <a:solidFill>
+                              <a:srgbClr val="C00000"/>
+                            </a:solidFill>
+                            <a:latin typeface="Cambria Math" panose="02040503050406030204" pitchFamily="18" charset="0"/>
+                          </a:rPr>
+                        </m:ctrlPr>
+                      </m:funcPr>
+                      <m:fName>
+                        <m:r>
+                          <m:rPr>
+                            <m:sty m:val="p"/>
+                          </m:rPr>
+                          <a:rPr lang="en-US" b="0" i="0" dirty="0" smtClean="0">
+                            <a:solidFill>
+                              <a:srgbClr val="C00000"/>
+                            </a:solidFill>
+                            <a:latin typeface="Cambria Math" panose="02040503050406030204" pitchFamily="18" charset="0"/>
+                          </a:rPr>
+                          <m:t>log</m:t>
+                        </m:r>
+                      </m:fName>
+                      <m:e>
+                        <m:r>
+                          <a:rPr lang="en-US" b="0" i="1" dirty="0" smtClean="0">
+                            <a:solidFill>
+                              <a:srgbClr val="C00000"/>
+                            </a:solidFill>
+                            <a:latin typeface="Cambria Math" panose="02040503050406030204" pitchFamily="18" charset="0"/>
+                          </a:rPr>
+                          <m:t>𝑛</m:t>
+                        </m:r>
+                      </m:e>
+                    </m:func>
+                    <m:r>
+                      <a:rPr lang="en-US" b="0" i="1" dirty="0" smtClean="0">
+                        <a:solidFill>
+                          <a:srgbClr val="C00000"/>
+                        </a:solidFill>
+                        <a:latin typeface="Cambria Math" panose="02040503050406030204" pitchFamily="18" charset="0"/>
+                      </a:rPr>
+                      <m:t>)</m:t>
+                    </m:r>
+                  </m:oMath>
+                </a14:m>
+                <a:endParaRPr lang="en-US" b="0" i="1" dirty="0">
+                  <a:solidFill>
+                    <a:srgbClr val="C00000"/>
+                  </a:solidFill>
+                  <a:latin typeface="Cambria Math" panose="02040503050406030204" pitchFamily="18" charset="0"/>
+                </a:endParaRPr>
+              </a:p>
+              <a:p>
+                <a:pPr>
+                  <a:buClr>
+                    <a:schemeClr val="tx1"/>
+                  </a:buClr>
+                </a:pPr>
+                <a14:m>
+                  <m:oMath xmlns:m="http://schemas.openxmlformats.org/officeDocument/2006/math">
+                    <m:r>
+                      <m:rPr>
+                        <m:sty m:val="p"/>
+                      </m:rPr>
+                      <a:rPr lang="en-US" dirty="0">
+                        <a:solidFill>
+                          <a:srgbClr val="C00000"/>
+                        </a:solidFill>
+                        <a:latin typeface="Cambria Math" panose="02040503050406030204" pitchFamily="18" charset="0"/>
+                      </a:rPr>
+                      <m:t>Θ</m:t>
+                    </m:r>
+                    <m:r>
+                      <a:rPr lang="en-US" b="0" i="1" dirty="0" smtClean="0">
+                        <a:solidFill>
+                          <a:srgbClr val="C00000"/>
+                        </a:solidFill>
+                        <a:latin typeface="Cambria Math" panose="02040503050406030204" pitchFamily="18" charset="0"/>
+                      </a:rPr>
+                      <m:t>(</m:t>
+                    </m:r>
+                    <m:rad>
+                      <m:radPr>
+                        <m:degHide m:val="on"/>
+                        <m:ctrlPr>
+                          <a:rPr lang="en-US" b="0" i="1" dirty="0" smtClean="0">
+                            <a:solidFill>
+                              <a:srgbClr val="C00000"/>
+                            </a:solidFill>
+                            <a:latin typeface="Cambria Math" panose="02040503050406030204" pitchFamily="18" charset="0"/>
+                          </a:rPr>
+                        </m:ctrlPr>
+                      </m:radPr>
+                      <m:deg/>
+                      <m:e>
+                        <m:r>
+                          <a:rPr lang="en-US" b="0" i="1" dirty="0" smtClean="0">
+                            <a:solidFill>
+                              <a:srgbClr val="C00000"/>
+                            </a:solidFill>
+                            <a:latin typeface="Cambria Math" panose="02040503050406030204" pitchFamily="18" charset="0"/>
+                          </a:rPr>
+                          <m:t>𝑛</m:t>
+                        </m:r>
+                      </m:e>
+                    </m:rad>
+                    <m:r>
+                      <a:rPr lang="en-US" b="0" i="1" dirty="0" smtClean="0">
+                        <a:solidFill>
+                          <a:srgbClr val="C00000"/>
+                        </a:solidFill>
+                        <a:latin typeface="Cambria Math" panose="02040503050406030204" pitchFamily="18" charset="0"/>
+                      </a:rPr>
+                      <m:t>)</m:t>
+                    </m:r>
+                  </m:oMath>
+                </a14:m>
+                <a:endParaRPr lang="en-US" b="0" i="1" dirty="0">
+                  <a:solidFill>
+                    <a:srgbClr val="C00000"/>
+                  </a:solidFill>
+                  <a:latin typeface="Cambria Math" panose="02040503050406030204" pitchFamily="18" charset="0"/>
+                </a:endParaRPr>
+              </a:p>
+              <a:p>
+                <a:pPr>
+                  <a:buClr>
+                    <a:schemeClr val="tx1"/>
+                  </a:buClr>
+                </a:pPr>
+                <a14:m>
+                  <m:oMath xmlns:m="http://schemas.openxmlformats.org/officeDocument/2006/math">
+                    <m:r>
+                      <m:rPr>
+                        <m:sty m:val="p"/>
+                      </m:rPr>
+                      <a:rPr lang="en-US" dirty="0">
+                        <a:solidFill>
+                          <a:srgbClr val="C00000"/>
+                        </a:solidFill>
+                        <a:latin typeface="Cambria Math" panose="02040503050406030204" pitchFamily="18" charset="0"/>
+                      </a:rPr>
+                      <m:t>Θ</m:t>
+                    </m:r>
+                    <m:r>
+                      <a:rPr lang="en-US" b="0" i="1" dirty="0" smtClean="0">
+                        <a:solidFill>
+                          <a:srgbClr val="C00000"/>
+                        </a:solidFill>
+                        <a:latin typeface="Cambria Math" panose="02040503050406030204" pitchFamily="18" charset="0"/>
+                      </a:rPr>
+                      <m:t>(</m:t>
+                    </m:r>
+                    <m:r>
+                      <a:rPr lang="en-US" b="0" i="1" dirty="0" smtClean="0">
+                        <a:solidFill>
+                          <a:srgbClr val="C00000"/>
+                        </a:solidFill>
+                        <a:latin typeface="Cambria Math" panose="02040503050406030204" pitchFamily="18" charset="0"/>
+                      </a:rPr>
+                      <m:t>𝑛</m:t>
+                    </m:r>
+                    <m:r>
+                      <a:rPr lang="en-US" b="0" i="1" dirty="0" smtClean="0">
+                        <a:solidFill>
+                          <a:srgbClr val="C00000"/>
+                        </a:solidFill>
+                        <a:latin typeface="Cambria Math" panose="02040503050406030204" pitchFamily="18" charset="0"/>
+                      </a:rPr>
+                      <m:t>)</m:t>
+                    </m:r>
+                  </m:oMath>
+                </a14:m>
+                <a:endParaRPr lang="en-US" dirty="0"/>
+              </a:p>
+            </p:txBody>
+          </p:sp>
+        </mc:Choice>
+        <mc:Fallback xmlns="">
+          <p:sp>
+            <p:nvSpPr>
+              <p:cNvPr id="3" name="Content Placeholder 2">
+                <a:extLst>
+                  <a:ext uri="{FF2B5EF4-FFF2-40B4-BE49-F238E27FC236}">
+                    <a16:creationId xmlns:a16="http://schemas.microsoft.com/office/drawing/2014/main" id="{76F2126B-4AA6-302B-7E5A-170FFAAB8BD1}"/>
+                  </a:ext>
+                </a:extLst>
+              </p:cNvPr>
+              <p:cNvSpPr>
+                <a:spLocks noGrp="1" noRot="1" noChangeAspect="1" noMove="1" noResize="1" noEditPoints="1" noAdjustHandles="1" noChangeArrowheads="1" noChangeShapeType="1" noTextEdit="1"/>
+              </p:cNvSpPr>
+              <p:nvPr>
+                <p:ph idx="1"/>
+              </p:nvPr>
+            </p:nvSpPr>
+            <p:spPr>
+              <a:blipFill>
+                <a:blip r:embed="rId3"/>
+                <a:stretch>
+                  <a:fillRect l="-1043" t="-2241" r="-580"/>
+                </a:stretch>
+              </a:blipFill>
+            </p:spPr>
+            <p:txBody>
+              <a:bodyPr/>
+              <a:lstStyle/>
+              <a:p>
+                <a:r>
+                  <a:rPr lang="en-US">
+                    <a:noFill/>
+                  </a:rPr>
+                  <a:t> </a:t>
+                </a:r>
+              </a:p>
+            </p:txBody>
+          </p:sp>
+        </mc:Fallback>
+      </mc:AlternateContent>
+    </p:spTree>
+    <p:extLst>
+      <p:ext uri="{BB962C8B-B14F-4D97-AF65-F5344CB8AC3E}">
+        <p14:creationId xmlns:p14="http://schemas.microsoft.com/office/powerpoint/2010/main" val="1608364033"/>
+      </p:ext>
+    </p:extLst>
+  </p:cSld>
+  <p:clrMapOvr>
+    <a:masterClrMapping/>
+  </p:clrMapOvr>
+</p:sld>
+</file>
+
+<file path=ppt/slides/slide40.xml><?xml version="1.0" encoding="utf-8"?>
 <p:sld xmlns:a="http://schemas.openxmlformats.org/drawingml/2006/main" xmlns:r="http://schemas.openxmlformats.org/officeDocument/2006/relationships" xmlns:p="http://schemas.openxmlformats.org/presentationml/2006/main">
   <p:cSld>
     <p:spTree>
@@ -25974,534 +27091,7 @@
 </p:sld>
 </file>
 
-<file path=ppt/slides/slide4.xml><?xml version="1.0" encoding="utf-8"?>
-<p:sld xmlns:a="http://schemas.openxmlformats.org/drawingml/2006/main" xmlns:r="http://schemas.openxmlformats.org/officeDocument/2006/relationships" xmlns:p="http://schemas.openxmlformats.org/presentationml/2006/main">
-  <p:cSld>
-    <p:spTree>
-      <p:nvGrpSpPr>
-        <p:cNvPr id="1" name=""/>
-        <p:cNvGrpSpPr/>
-        <p:nvPr/>
-      </p:nvGrpSpPr>
-      <p:grpSpPr>
-        <a:xfrm>
-          <a:off x="0" y="0"/>
-          <a:ext cx="0" cy="0"/>
-          <a:chOff x="0" y="0"/>
-          <a:chExt cx="0" cy="0"/>
-        </a:xfrm>
-      </p:grpSpPr>
-      <p:sp>
-        <p:nvSpPr>
-          <p:cNvPr id="2" name="Title 1">
-            <a:extLst>
-              <a:ext uri="{FF2B5EF4-FFF2-40B4-BE49-F238E27FC236}">
-                <a16:creationId xmlns:a16="http://schemas.microsoft.com/office/drawing/2014/main" id="{FCA5AC62-A5FD-2A5B-018F-859A378AA1D4}"/>
-              </a:ext>
-            </a:extLst>
-          </p:cNvPr>
-          <p:cNvSpPr>
-            <a:spLocks noGrp="1"/>
-          </p:cNvSpPr>
-          <p:nvPr>
-            <p:ph type="title"/>
-          </p:nvPr>
-        </p:nvSpPr>
-        <p:spPr/>
-        <p:txBody>
-          <a:bodyPr/>
-          <a:lstStyle/>
-          <a:p>
-            <a:r>
-              <a:rPr lang="en-US" dirty="0">
-                <a:solidFill>
-                  <a:srgbClr val="C00000"/>
-                </a:solidFill>
-              </a:rPr>
-              <a:t>Trivia Question #1 (Birthday Paradox)</a:t>
-            </a:r>
-          </a:p>
-        </p:txBody>
-      </p:sp>
-      <mc:AlternateContent xmlns:mc="http://schemas.openxmlformats.org/markup-compatibility/2006">
-        <mc:Choice xmlns:a14="http://schemas.microsoft.com/office/drawing/2010/main" Requires="a14">
-          <p:sp>
-            <p:nvSpPr>
-              <p:cNvPr id="3" name="Content Placeholder 2">
-                <a:extLst>
-                  <a:ext uri="{FF2B5EF4-FFF2-40B4-BE49-F238E27FC236}">
-                    <a16:creationId xmlns:a16="http://schemas.microsoft.com/office/drawing/2014/main" id="{76F2126B-4AA6-302B-7E5A-170FFAAB8BD1}"/>
-                  </a:ext>
-                </a:extLst>
-              </p:cNvPr>
-              <p:cNvSpPr>
-                <a:spLocks noGrp="1"/>
-              </p:cNvSpPr>
-              <p:nvPr>
-                <p:ph idx="1"/>
-              </p:nvPr>
-            </p:nvSpPr>
-            <p:spPr/>
-            <p:txBody>
-              <a:bodyPr/>
-              <a:lstStyle/>
-              <a:p>
-                <a:pPr>
-                  <a:buClr>
-                    <a:schemeClr val="tx1"/>
-                  </a:buClr>
-                </a:pPr>
-                <a:r>
-                  <a:rPr lang="en-US" dirty="0"/>
-                  <a:t>Suppose we have a fair </a:t>
-                </a:r>
-                <a14:m>
-                  <m:oMath xmlns:m="http://schemas.openxmlformats.org/officeDocument/2006/math">
-                    <m:r>
-                      <a:rPr lang="en-US" b="0" i="1" dirty="0" smtClean="0">
-                        <a:solidFill>
-                          <a:srgbClr val="C00000"/>
-                        </a:solidFill>
-                        <a:latin typeface="Cambria Math" panose="02040503050406030204" pitchFamily="18" charset="0"/>
-                      </a:rPr>
-                      <m:t>𝑛</m:t>
-                    </m:r>
-                  </m:oMath>
-                </a14:m>
-                <a:r>
-                  <a:rPr lang="en-US" dirty="0"/>
-                  <a:t>-sided die. How many times should we roll the die before the probability we see a repeated outcome among the rolls is at least </a:t>
-                </a:r>
-                <a14:m>
-                  <m:oMath xmlns:m="http://schemas.openxmlformats.org/officeDocument/2006/math">
-                    <m:f>
-                      <m:fPr>
-                        <m:ctrlPr>
-                          <a:rPr lang="en-US" b="0" i="0" dirty="0" smtClean="0">
-                            <a:solidFill>
-                              <a:srgbClr val="C00000"/>
-                            </a:solidFill>
-                            <a:latin typeface="Cambria Math" panose="02040503050406030204" pitchFamily="18" charset="0"/>
-                          </a:rPr>
-                        </m:ctrlPr>
-                      </m:fPr>
-                      <m:num>
-                        <m:r>
-                          <a:rPr lang="en-US" i="1" dirty="0">
-                            <a:solidFill>
-                              <a:srgbClr val="C00000"/>
-                            </a:solidFill>
-                            <a:latin typeface="Cambria Math" panose="02040503050406030204" pitchFamily="18" charset="0"/>
-                          </a:rPr>
-                          <m:t>1</m:t>
-                        </m:r>
-                      </m:num>
-                      <m:den>
-                        <m:r>
-                          <a:rPr lang="en-US" b="0" i="0" dirty="0" smtClean="0">
-                            <a:solidFill>
-                              <a:srgbClr val="C00000"/>
-                            </a:solidFill>
-                            <a:latin typeface="Cambria Math" panose="02040503050406030204" pitchFamily="18" charset="0"/>
-                          </a:rPr>
-                          <m:t>2</m:t>
-                        </m:r>
-                      </m:den>
-                    </m:f>
-                  </m:oMath>
-                </a14:m>
-                <a:r>
-                  <a:rPr lang="en-US" dirty="0"/>
-                  <a:t>? Example: </a:t>
-                </a:r>
-                <a14:m>
-                  <m:oMath xmlns:m="http://schemas.openxmlformats.org/officeDocument/2006/math">
-                    <m:r>
-                      <a:rPr lang="en-US" b="0" i="1" dirty="0" smtClean="0">
-                        <a:solidFill>
-                          <a:srgbClr val="C00000"/>
-                        </a:solidFill>
-                        <a:latin typeface="Cambria Math" panose="02040503050406030204" pitchFamily="18" charset="0"/>
-                      </a:rPr>
-                      <m:t>1</m:t>
-                    </m:r>
-                  </m:oMath>
-                </a14:m>
-                <a:r>
-                  <a:rPr lang="en-US" dirty="0"/>
-                  <a:t>, </a:t>
-                </a:r>
-                <a14:m>
-                  <m:oMath xmlns:m="http://schemas.openxmlformats.org/officeDocument/2006/math">
-                    <m:r>
-                      <a:rPr lang="en-US" b="0" i="1" dirty="0" smtClean="0">
-                        <a:solidFill>
-                          <a:srgbClr val="C00000"/>
-                        </a:solidFill>
-                        <a:latin typeface="Cambria Math" panose="02040503050406030204" pitchFamily="18" charset="0"/>
-                      </a:rPr>
-                      <m:t>5</m:t>
-                    </m:r>
-                  </m:oMath>
-                </a14:m>
-                <a:r>
-                  <a:rPr lang="en-US" dirty="0"/>
-                  <a:t>, </a:t>
-                </a:r>
-                <a14:m>
-                  <m:oMath xmlns:m="http://schemas.openxmlformats.org/officeDocument/2006/math">
-                    <m:r>
-                      <a:rPr lang="en-US" b="0" i="1" dirty="0" smtClean="0">
-                        <a:solidFill>
-                          <a:srgbClr val="C00000"/>
-                        </a:solidFill>
-                        <a:latin typeface="Cambria Math" panose="02040503050406030204" pitchFamily="18" charset="0"/>
-                      </a:rPr>
-                      <m:t>2</m:t>
-                    </m:r>
-                  </m:oMath>
-                </a14:m>
-                <a:r>
-                  <a:rPr lang="en-US" dirty="0"/>
-                  <a:t>, </a:t>
-                </a:r>
-                <a14:m>
-                  <m:oMath xmlns:m="http://schemas.openxmlformats.org/officeDocument/2006/math">
-                    <m:r>
-                      <a:rPr lang="en-US" b="0" i="1" dirty="0" smtClean="0">
-                        <a:solidFill>
-                          <a:srgbClr val="C00000"/>
-                        </a:solidFill>
-                        <a:latin typeface="Cambria Math" panose="02040503050406030204" pitchFamily="18" charset="0"/>
-                      </a:rPr>
-                      <m:t>4</m:t>
-                    </m:r>
-                  </m:oMath>
-                </a14:m>
-                <a:r>
-                  <a:rPr lang="en-US" dirty="0"/>
-                  <a:t>, </a:t>
-                </a:r>
-                <a14:m>
-                  <m:oMath xmlns:m="http://schemas.openxmlformats.org/officeDocument/2006/math">
-                    <m:r>
-                      <a:rPr lang="en-US" b="0" i="1" dirty="0" smtClean="0">
-                        <a:solidFill>
-                          <a:srgbClr val="0070C0"/>
-                        </a:solidFill>
-                        <a:latin typeface="Cambria Math" panose="02040503050406030204" pitchFamily="18" charset="0"/>
-                      </a:rPr>
-                      <m:t>5</m:t>
-                    </m:r>
-                  </m:oMath>
-                </a14:m>
-                <a:endParaRPr lang="en-US" dirty="0"/>
-              </a:p>
-              <a:p>
-                <a:pPr>
-                  <a:buClr>
-                    <a:schemeClr val="tx1"/>
-                  </a:buClr>
-                </a:pPr>
-                <a:endParaRPr lang="en-US" dirty="0"/>
-              </a:p>
-              <a:p>
-                <a:pPr>
-                  <a:buClr>
-                    <a:schemeClr val="tx1"/>
-                  </a:buClr>
-                </a:pPr>
-                <a14:m>
-                  <m:oMath xmlns:m="http://schemas.openxmlformats.org/officeDocument/2006/math">
-                    <m:r>
-                      <m:rPr>
-                        <m:sty m:val="p"/>
-                      </m:rPr>
-                      <a:rPr lang="en-US" b="0" i="0" dirty="0" smtClean="0">
-                        <a:solidFill>
-                          <a:srgbClr val="C00000"/>
-                        </a:solidFill>
-                        <a:latin typeface="Cambria Math" panose="02040503050406030204" pitchFamily="18" charset="0"/>
-                      </a:rPr>
-                      <m:t>Θ</m:t>
-                    </m:r>
-                    <m:r>
-                      <a:rPr lang="en-US" b="0" i="1" dirty="0" smtClean="0">
-                        <a:solidFill>
-                          <a:srgbClr val="C00000"/>
-                        </a:solidFill>
-                        <a:latin typeface="Cambria Math" panose="02040503050406030204" pitchFamily="18" charset="0"/>
-                      </a:rPr>
-                      <m:t>(1)</m:t>
-                    </m:r>
-                  </m:oMath>
-                </a14:m>
-                <a:endParaRPr lang="en-US" dirty="0"/>
-              </a:p>
-              <a:p>
-                <a:pPr>
-                  <a:buClr>
-                    <a:schemeClr val="tx1"/>
-                  </a:buClr>
-                </a:pPr>
-                <a14:m>
-                  <m:oMath xmlns:m="http://schemas.openxmlformats.org/officeDocument/2006/math">
-                    <m:r>
-                      <m:rPr>
-                        <m:sty m:val="p"/>
-                      </m:rPr>
-                      <a:rPr lang="en-US" dirty="0">
-                        <a:solidFill>
-                          <a:srgbClr val="C00000"/>
-                        </a:solidFill>
-                        <a:latin typeface="Cambria Math" panose="02040503050406030204" pitchFamily="18" charset="0"/>
-                      </a:rPr>
-                      <m:t>Θ</m:t>
-                    </m:r>
-                    <m:r>
-                      <a:rPr lang="en-US" b="0" i="1" dirty="0" smtClean="0">
-                        <a:solidFill>
-                          <a:srgbClr val="C00000"/>
-                        </a:solidFill>
-                        <a:latin typeface="Cambria Math" panose="02040503050406030204" pitchFamily="18" charset="0"/>
-                      </a:rPr>
-                      <m:t>(</m:t>
-                    </m:r>
-                    <m:func>
-                      <m:funcPr>
-                        <m:ctrlPr>
-                          <a:rPr lang="en-US" b="0" i="1" dirty="0" smtClean="0">
-                            <a:solidFill>
-                              <a:srgbClr val="C00000"/>
-                            </a:solidFill>
-                            <a:latin typeface="Cambria Math" panose="02040503050406030204" pitchFamily="18" charset="0"/>
-                          </a:rPr>
-                        </m:ctrlPr>
-                      </m:funcPr>
-                      <m:fName>
-                        <m:r>
-                          <m:rPr>
-                            <m:sty m:val="p"/>
-                          </m:rPr>
-                          <a:rPr lang="en-US" b="0" i="0" dirty="0" smtClean="0">
-                            <a:solidFill>
-                              <a:srgbClr val="C00000"/>
-                            </a:solidFill>
-                            <a:latin typeface="Cambria Math" panose="02040503050406030204" pitchFamily="18" charset="0"/>
-                          </a:rPr>
-                          <m:t>log</m:t>
-                        </m:r>
-                      </m:fName>
-                      <m:e>
-                        <m:r>
-                          <a:rPr lang="en-US" b="0" i="1" dirty="0" smtClean="0">
-                            <a:solidFill>
-                              <a:srgbClr val="C00000"/>
-                            </a:solidFill>
-                            <a:latin typeface="Cambria Math" panose="02040503050406030204" pitchFamily="18" charset="0"/>
-                          </a:rPr>
-                          <m:t>𝑛</m:t>
-                        </m:r>
-                      </m:e>
-                    </m:func>
-                    <m:r>
-                      <a:rPr lang="en-US" b="0" i="1" dirty="0" smtClean="0">
-                        <a:solidFill>
-                          <a:srgbClr val="C00000"/>
-                        </a:solidFill>
-                        <a:latin typeface="Cambria Math" panose="02040503050406030204" pitchFamily="18" charset="0"/>
-                      </a:rPr>
-                      <m:t>)</m:t>
-                    </m:r>
-                  </m:oMath>
-                </a14:m>
-                <a:endParaRPr lang="en-US" b="0" i="1" dirty="0">
-                  <a:solidFill>
-                    <a:srgbClr val="C00000"/>
-                  </a:solidFill>
-                  <a:latin typeface="Cambria Math" panose="02040503050406030204" pitchFamily="18" charset="0"/>
-                </a:endParaRPr>
-              </a:p>
-              <a:p>
-                <a:pPr>
-                  <a:buClr>
-                    <a:schemeClr val="tx1"/>
-                  </a:buClr>
-                </a:pPr>
-                <a14:m>
-                  <m:oMath xmlns:m="http://schemas.openxmlformats.org/officeDocument/2006/math">
-                    <m:r>
-                      <m:rPr>
-                        <m:sty m:val="p"/>
-                      </m:rPr>
-                      <a:rPr lang="en-US" dirty="0">
-                        <a:solidFill>
-                          <a:srgbClr val="C00000"/>
-                        </a:solidFill>
-                        <a:latin typeface="Cambria Math" panose="02040503050406030204" pitchFamily="18" charset="0"/>
-                      </a:rPr>
-                      <m:t>Θ</m:t>
-                    </m:r>
-                    <m:r>
-                      <a:rPr lang="en-US" b="0" i="1" dirty="0" smtClean="0">
-                        <a:solidFill>
-                          <a:srgbClr val="C00000"/>
-                        </a:solidFill>
-                        <a:latin typeface="Cambria Math" panose="02040503050406030204" pitchFamily="18" charset="0"/>
-                      </a:rPr>
-                      <m:t>(</m:t>
-                    </m:r>
-                    <m:rad>
-                      <m:radPr>
-                        <m:degHide m:val="on"/>
-                        <m:ctrlPr>
-                          <a:rPr lang="en-US" b="0" i="1" dirty="0" smtClean="0">
-                            <a:solidFill>
-                              <a:srgbClr val="C00000"/>
-                            </a:solidFill>
-                            <a:latin typeface="Cambria Math" panose="02040503050406030204" pitchFamily="18" charset="0"/>
-                          </a:rPr>
-                        </m:ctrlPr>
-                      </m:radPr>
-                      <m:deg/>
-                      <m:e>
-                        <m:r>
-                          <a:rPr lang="en-US" b="0" i="1" dirty="0" smtClean="0">
-                            <a:solidFill>
-                              <a:srgbClr val="C00000"/>
-                            </a:solidFill>
-                            <a:latin typeface="Cambria Math" panose="02040503050406030204" pitchFamily="18" charset="0"/>
-                          </a:rPr>
-                          <m:t>𝑛</m:t>
-                        </m:r>
-                      </m:e>
-                    </m:rad>
-                    <m:r>
-                      <a:rPr lang="en-US" b="0" i="1" dirty="0" smtClean="0">
-                        <a:solidFill>
-                          <a:srgbClr val="C00000"/>
-                        </a:solidFill>
-                        <a:latin typeface="Cambria Math" panose="02040503050406030204" pitchFamily="18" charset="0"/>
-                      </a:rPr>
-                      <m:t>)</m:t>
-                    </m:r>
-                  </m:oMath>
-                </a14:m>
-                <a:endParaRPr lang="en-US" b="0" i="1" dirty="0">
-                  <a:solidFill>
-                    <a:srgbClr val="C00000"/>
-                  </a:solidFill>
-                  <a:latin typeface="Cambria Math" panose="02040503050406030204" pitchFamily="18" charset="0"/>
-                </a:endParaRPr>
-              </a:p>
-              <a:p>
-                <a:pPr>
-                  <a:buClr>
-                    <a:schemeClr val="tx1"/>
-                  </a:buClr>
-                </a:pPr>
-                <a14:m>
-                  <m:oMath xmlns:m="http://schemas.openxmlformats.org/officeDocument/2006/math">
-                    <m:r>
-                      <m:rPr>
-                        <m:sty m:val="p"/>
-                      </m:rPr>
-                      <a:rPr lang="en-US" dirty="0">
-                        <a:solidFill>
-                          <a:srgbClr val="C00000"/>
-                        </a:solidFill>
-                        <a:latin typeface="Cambria Math" panose="02040503050406030204" pitchFamily="18" charset="0"/>
-                      </a:rPr>
-                      <m:t>Θ</m:t>
-                    </m:r>
-                    <m:r>
-                      <a:rPr lang="en-US" b="0" i="1" dirty="0" smtClean="0">
-                        <a:solidFill>
-                          <a:srgbClr val="C00000"/>
-                        </a:solidFill>
-                        <a:latin typeface="Cambria Math" panose="02040503050406030204" pitchFamily="18" charset="0"/>
-                      </a:rPr>
-                      <m:t>(</m:t>
-                    </m:r>
-                    <m:r>
-                      <a:rPr lang="en-US" b="0" i="1" dirty="0" smtClean="0">
-                        <a:solidFill>
-                          <a:srgbClr val="C00000"/>
-                        </a:solidFill>
-                        <a:latin typeface="Cambria Math" panose="02040503050406030204" pitchFamily="18" charset="0"/>
-                      </a:rPr>
-                      <m:t>𝑛</m:t>
-                    </m:r>
-                    <m:r>
-                      <a:rPr lang="en-US" b="0" i="1" dirty="0" smtClean="0">
-                        <a:solidFill>
-                          <a:srgbClr val="C00000"/>
-                        </a:solidFill>
-                        <a:latin typeface="Cambria Math" panose="02040503050406030204" pitchFamily="18" charset="0"/>
-                      </a:rPr>
-                      <m:t>)</m:t>
-                    </m:r>
-                  </m:oMath>
-                </a14:m>
-                <a:endParaRPr lang="en-US" dirty="0"/>
-              </a:p>
-            </p:txBody>
-          </p:sp>
-        </mc:Choice>
-        <mc:Fallback>
-          <p:sp>
-            <p:nvSpPr>
-              <p:cNvPr id="3" name="Content Placeholder 2">
-                <a:extLst>
-                  <a:ext uri="{FF2B5EF4-FFF2-40B4-BE49-F238E27FC236}">
-                    <a16:creationId xmlns:a16="http://schemas.microsoft.com/office/drawing/2014/main" id="{76F2126B-4AA6-302B-7E5A-170FFAAB8BD1}"/>
-                  </a:ext>
-                </a:extLst>
-              </p:cNvPr>
-              <p:cNvSpPr>
-                <a:spLocks noGrp="1" noRot="1" noChangeAspect="1" noMove="1" noResize="1" noEditPoints="1" noAdjustHandles="1" noChangeArrowheads="1" noChangeShapeType="1" noTextEdit="1"/>
-              </p:cNvSpPr>
-              <p:nvPr>
-                <p:ph idx="1"/>
-              </p:nvPr>
-            </p:nvSpPr>
-            <p:spPr>
-              <a:blipFill>
-                <a:blip r:embed="rId3"/>
-                <a:stretch>
-                  <a:fillRect l="-1043" t="-2241" r="-580"/>
-                </a:stretch>
-              </a:blipFill>
-            </p:spPr>
-            <p:txBody>
-              <a:bodyPr/>
-              <a:lstStyle/>
-              <a:p>
-                <a:r>
-                  <a:rPr lang="en-US">
-                    <a:noFill/>
-                  </a:rPr>
-                  <a:t> </a:t>
-                </a:r>
-              </a:p>
-            </p:txBody>
-          </p:sp>
-        </mc:Fallback>
-      </mc:AlternateContent>
-    </p:spTree>
-    <p:extLst>
-      <p:ext uri="{BB962C8B-B14F-4D97-AF65-F5344CB8AC3E}">
-        <p14:creationId xmlns:p14="http://schemas.microsoft.com/office/powerpoint/2010/main" val="1608364033"/>
-      </p:ext>
-    </p:extLst>
-  </p:cSld>
-  <p:clrMapOvr>
-    <a:masterClrMapping/>
-  </p:clrMapOvr>
-</p:sld>
-</file>
-
-<file path=ppt/slides/slide40.xml><?xml version="1.0" encoding="utf-8"?>
+<file path=ppt/slides/slide41.xml><?xml version="1.0" encoding="utf-8"?>
 <p:sld xmlns:a="http://schemas.openxmlformats.org/drawingml/2006/main" xmlns:r="http://schemas.openxmlformats.org/officeDocument/2006/relationships" xmlns:p="http://schemas.openxmlformats.org/presentationml/2006/main">
   <p:cSld>
     <p:spTree>
@@ -27390,7 +27980,7 @@
 </p:sld>
 </file>
 
-<file path=ppt/slides/slide41.xml><?xml version="1.0" encoding="utf-8"?>
+<file path=ppt/slides/slide42.xml><?xml version="1.0" encoding="utf-8"?>
 <p:sld xmlns:a="http://schemas.openxmlformats.org/drawingml/2006/main" xmlns:r="http://schemas.openxmlformats.org/officeDocument/2006/relationships" xmlns:p="http://schemas.openxmlformats.org/presentationml/2006/main">
   <p:cSld>
     <p:spTree>
@@ -28412,7 +29002,7 @@
 </p:sld>
 </file>
 
-<file path=ppt/slides/slide42.xml><?xml version="1.0" encoding="utf-8"?>
+<file path=ppt/slides/slide43.xml><?xml version="1.0" encoding="utf-8"?>
 <p:sld xmlns:a="http://schemas.openxmlformats.org/drawingml/2006/main" xmlns:r="http://schemas.openxmlformats.org/officeDocument/2006/relationships" xmlns:p="http://schemas.openxmlformats.org/presentationml/2006/main">
   <p:cSld>
     <p:spTree>
@@ -28978,7 +29568,7 @@
 </p:sld>
 </file>
 
-<file path=ppt/slides/slide43.xml><?xml version="1.0" encoding="utf-8"?>
+<file path=ppt/slides/slide44.xml><?xml version="1.0" encoding="utf-8"?>
 <p:sld xmlns:a="http://schemas.openxmlformats.org/drawingml/2006/main" xmlns:r="http://schemas.openxmlformats.org/officeDocument/2006/relationships" xmlns:p="http://schemas.openxmlformats.org/presentationml/2006/main">
   <p:cSld>
     <p:spTree>
